--- a/Drunken Preliminaries.pptx
+++ b/Drunken Preliminaries.pptx
@@ -292,7 +292,7 @@
           <a:p>
             <a:fld id="{350231FF-2438-407B-BAEF-357478367BEB}" type="datetimeFigureOut">
               <a:rPr lang="en-US" smtClean="0"/>
-              <a:t>9/19/2013</a:t>
+              <a:t>9/20/2013</a:t>
             </a:fld>
             <a:endParaRPr lang="en-US"/>
           </a:p>
@@ -462,7 +462,7 @@
           <a:p>
             <a:fld id="{350231FF-2438-407B-BAEF-357478367BEB}" type="datetimeFigureOut">
               <a:rPr lang="en-US" smtClean="0"/>
-              <a:t>9/19/2013</a:t>
+              <a:t>9/20/2013</a:t>
             </a:fld>
             <a:endParaRPr lang="en-US"/>
           </a:p>
@@ -642,7 +642,7 @@
           <a:p>
             <a:fld id="{350231FF-2438-407B-BAEF-357478367BEB}" type="datetimeFigureOut">
               <a:rPr lang="en-US" smtClean="0"/>
-              <a:t>9/19/2013</a:t>
+              <a:t>9/20/2013</a:t>
             </a:fld>
             <a:endParaRPr lang="en-US"/>
           </a:p>
@@ -812,7 +812,7 @@
           <a:p>
             <a:fld id="{350231FF-2438-407B-BAEF-357478367BEB}" type="datetimeFigureOut">
               <a:rPr lang="en-US" smtClean="0"/>
-              <a:t>9/19/2013</a:t>
+              <a:t>9/20/2013</a:t>
             </a:fld>
             <a:endParaRPr lang="en-US"/>
           </a:p>
@@ -1058,7 +1058,7 @@
           <a:p>
             <a:fld id="{350231FF-2438-407B-BAEF-357478367BEB}" type="datetimeFigureOut">
               <a:rPr lang="en-US" smtClean="0"/>
-              <a:t>9/19/2013</a:t>
+              <a:t>9/20/2013</a:t>
             </a:fld>
             <a:endParaRPr lang="en-US"/>
           </a:p>
@@ -1346,7 +1346,7 @@
           <a:p>
             <a:fld id="{350231FF-2438-407B-BAEF-357478367BEB}" type="datetimeFigureOut">
               <a:rPr lang="en-US" smtClean="0"/>
-              <a:t>9/19/2013</a:t>
+              <a:t>9/20/2013</a:t>
             </a:fld>
             <a:endParaRPr lang="en-US"/>
           </a:p>
@@ -1768,7 +1768,7 @@
           <a:p>
             <a:fld id="{350231FF-2438-407B-BAEF-357478367BEB}" type="datetimeFigureOut">
               <a:rPr lang="en-US" smtClean="0"/>
-              <a:t>9/19/2013</a:t>
+              <a:t>9/20/2013</a:t>
             </a:fld>
             <a:endParaRPr lang="en-US"/>
           </a:p>
@@ -1886,7 +1886,7 @@
           <a:p>
             <a:fld id="{350231FF-2438-407B-BAEF-357478367BEB}" type="datetimeFigureOut">
               <a:rPr lang="en-US" smtClean="0"/>
-              <a:t>9/19/2013</a:t>
+              <a:t>9/20/2013</a:t>
             </a:fld>
             <a:endParaRPr lang="en-US"/>
           </a:p>
@@ -1981,7 +1981,7 @@
           <a:p>
             <a:fld id="{350231FF-2438-407B-BAEF-357478367BEB}" type="datetimeFigureOut">
               <a:rPr lang="en-US" smtClean="0"/>
-              <a:t>9/19/2013</a:t>
+              <a:t>9/20/2013</a:t>
             </a:fld>
             <a:endParaRPr lang="en-US"/>
           </a:p>
@@ -2258,7 +2258,7 @@
           <a:p>
             <a:fld id="{350231FF-2438-407B-BAEF-357478367BEB}" type="datetimeFigureOut">
               <a:rPr lang="en-US" smtClean="0"/>
-              <a:t>9/19/2013</a:t>
+              <a:t>9/20/2013</a:t>
             </a:fld>
             <a:endParaRPr lang="en-US"/>
           </a:p>
@@ -2511,7 +2511,7 @@
           <a:p>
             <a:fld id="{350231FF-2438-407B-BAEF-357478367BEB}" type="datetimeFigureOut">
               <a:rPr lang="en-US" smtClean="0"/>
-              <a:t>9/19/2013</a:t>
+              <a:t>9/20/2013</a:t>
             </a:fld>
             <a:endParaRPr lang="en-US"/>
           </a:p>
@@ -2724,7 +2724,7 @@
           <a:p>
             <a:fld id="{350231FF-2438-407B-BAEF-357478367BEB}" type="datetimeFigureOut">
               <a:rPr lang="en-US" smtClean="0"/>
-              <a:t>9/19/2013</a:t>
+              <a:t>9/20/2013</a:t>
             </a:fld>
             <a:endParaRPr lang="en-US"/>
           </a:p>
@@ -3233,7 +3233,7 @@
           <a:p>
             <a:r>
               <a:rPr lang="en-SG" dirty="0" smtClean="0"/>
-              <a:t>Invigilators will record your completion position</a:t>
+              <a:t>Invigilators will record your position upon completion</a:t>
             </a:r>
           </a:p>
           <a:p>
@@ -3407,6 +3407,13 @@
   <p:clrMapOvr>
     <a:masterClrMapping/>
   </p:clrMapOvr>
+  <p:timing>
+    <p:tnLst>
+      <p:par>
+        <p:cTn id="1" dur="indefinite" restart="never" nodeType="tmRoot"/>
+      </p:par>
+    </p:tnLst>
+  </p:timing>
 </p:sld>
 </file>
 
@@ -3475,14 +3482,14 @@
             <p:ph idx="1"/>
             <p:extLst>
               <p:ext uri="{D42A27DB-BD31-4B8C-83A1-F6EECF244321}">
-                <p14:modId xmlns:p14="http://schemas.microsoft.com/office/powerpoint/2010/main" val="2372452063"/>
+                <p14:modId xmlns:p14="http://schemas.microsoft.com/office/powerpoint/2010/main" val="857585900"/>
               </p:ext>
             </p:extLst>
           </p:nvPr>
         </p:nvGraphicFramePr>
         <p:xfrm>
-          <a:off x="-1" y="836707"/>
-          <a:ext cx="9144002" cy="5904661"/>
+          <a:off x="-1" y="778336"/>
+          <a:ext cx="9144002" cy="6035040"/>
         </p:xfrm>
         <a:graphic>
           <a:graphicData uri="http://schemas.openxmlformats.org/drawingml/2006/table">
@@ -3498,7 +3505,7 @@
                 <a:gridCol w="1200134"/>
                 <a:gridCol w="1131618"/>
               </a:tblGrid>
-              <a:tr h="347333">
+              <a:tr h="328037">
                 <a:tc>
                   <a:txBody>
                     <a:bodyPr/>
@@ -3590,7 +3597,7 @@
                   <a:tcPr/>
                 </a:tc>
               </a:tr>
-              <a:tr h="347333">
+              <a:tr h="328037">
                 <a:tc>
                   <a:txBody>
                     <a:bodyPr/>
@@ -3610,53 +3617,58 @@
                     <a:bodyPr/>
                     <a:lstStyle/>
                     <a:p>
-                      <a:endParaRPr lang="en-US" sz="1600"/>
-                    </a:p>
-                  </a:txBody>
-                  <a:tcPr/>
-                </a:tc>
-                <a:tc>
-                  <a:txBody>
-                    <a:bodyPr/>
-                    <a:lstStyle/>
-                    <a:p>
-                      <a:endParaRPr lang="en-US" sz="1600"/>
-                    </a:p>
-                  </a:txBody>
-                  <a:tcPr/>
-                </a:tc>
-                <a:tc>
-                  <a:txBody>
-                    <a:bodyPr/>
-                    <a:lstStyle/>
-                    <a:p>
-                      <a:endParaRPr lang="en-US" sz="1600"/>
-                    </a:p>
-                  </a:txBody>
-                  <a:tcPr/>
-                </a:tc>
-                <a:tc>
-                  <a:txBody>
-                    <a:bodyPr/>
-                    <a:lstStyle/>
-                    <a:p>
-                      <a:endParaRPr lang="en-US" sz="1600"/>
-                    </a:p>
-                  </a:txBody>
-                  <a:tcPr/>
-                </a:tc>
-                <a:tc>
-                  <a:txBody>
-                    <a:bodyPr/>
-                    <a:lstStyle/>
-                    <a:p>
-                      <a:endParaRPr lang="en-US" sz="1600"/>
+                      <a:pPr algn="ctr"/>
+                      <a:endParaRPr lang="en-US" sz="1400" dirty="0"/>
+                    </a:p>
+                  </a:txBody>
+                  <a:tcPr/>
+                </a:tc>
+                <a:tc>
+                  <a:txBody>
+                    <a:bodyPr/>
+                    <a:lstStyle/>
+                    <a:p>
+                      <a:pPr algn="ctr"/>
+                      <a:endParaRPr lang="en-US" sz="1400"/>
+                    </a:p>
+                  </a:txBody>
+                  <a:tcPr/>
+                </a:tc>
+                <a:tc>
+                  <a:txBody>
+                    <a:bodyPr/>
+                    <a:lstStyle/>
+                    <a:p>
+                      <a:pPr algn="ctr"/>
+                      <a:endParaRPr lang="en-US" sz="1400"/>
+                    </a:p>
+                  </a:txBody>
+                  <a:tcPr/>
+                </a:tc>
+                <a:tc>
+                  <a:txBody>
+                    <a:bodyPr/>
+                    <a:lstStyle/>
+                    <a:p>
+                      <a:pPr algn="ctr"/>
+                      <a:endParaRPr lang="en-US" sz="1400"/>
+                    </a:p>
+                  </a:txBody>
+                  <a:tcPr/>
+                </a:tc>
+                <a:tc>
+                  <a:txBody>
+                    <a:bodyPr/>
+                    <a:lstStyle/>
+                    <a:p>
+                      <a:pPr algn="ctr"/>
+                      <a:endParaRPr lang="en-US" sz="1400"/>
                     </a:p>
                   </a:txBody>
                   <a:tcPr/>
                 </a:tc>
               </a:tr>
-              <a:tr h="347333">
+              <a:tr h="328037">
                 <a:tc>
                   <a:txBody>
                     <a:bodyPr/>
@@ -3696,53 +3708,58 @@
                     <a:bodyPr/>
                     <a:lstStyle/>
                     <a:p>
-                      <a:endParaRPr lang="en-US" sz="1600" dirty="0"/>
-                    </a:p>
-                  </a:txBody>
-                  <a:tcPr/>
-                </a:tc>
-                <a:tc>
-                  <a:txBody>
-                    <a:bodyPr/>
-                    <a:lstStyle/>
-                    <a:p>
-                      <a:endParaRPr lang="en-US" sz="1600" dirty="0"/>
-                    </a:p>
-                  </a:txBody>
-                  <a:tcPr/>
-                </a:tc>
-                <a:tc>
-                  <a:txBody>
-                    <a:bodyPr/>
-                    <a:lstStyle/>
-                    <a:p>
-                      <a:endParaRPr lang="en-US" sz="1600"/>
-                    </a:p>
-                  </a:txBody>
-                  <a:tcPr/>
-                </a:tc>
-                <a:tc>
-                  <a:txBody>
-                    <a:bodyPr/>
-                    <a:lstStyle/>
-                    <a:p>
-                      <a:endParaRPr lang="en-US" sz="1600"/>
-                    </a:p>
-                  </a:txBody>
-                  <a:tcPr/>
-                </a:tc>
-                <a:tc>
-                  <a:txBody>
-                    <a:bodyPr/>
-                    <a:lstStyle/>
-                    <a:p>
-                      <a:endParaRPr lang="en-US" sz="1600"/>
+                      <a:pPr algn="ctr"/>
+                      <a:endParaRPr lang="en-US" sz="1400" dirty="0"/>
+                    </a:p>
+                  </a:txBody>
+                  <a:tcPr/>
+                </a:tc>
+                <a:tc>
+                  <a:txBody>
+                    <a:bodyPr/>
+                    <a:lstStyle/>
+                    <a:p>
+                      <a:pPr algn="ctr"/>
+                      <a:endParaRPr lang="en-US" sz="1400" dirty="0"/>
+                    </a:p>
+                  </a:txBody>
+                  <a:tcPr/>
+                </a:tc>
+                <a:tc>
+                  <a:txBody>
+                    <a:bodyPr/>
+                    <a:lstStyle/>
+                    <a:p>
+                      <a:pPr algn="ctr"/>
+                      <a:endParaRPr lang="en-US" sz="1400"/>
+                    </a:p>
+                  </a:txBody>
+                  <a:tcPr/>
+                </a:tc>
+                <a:tc>
+                  <a:txBody>
+                    <a:bodyPr/>
+                    <a:lstStyle/>
+                    <a:p>
+                      <a:pPr algn="ctr"/>
+                      <a:endParaRPr lang="en-US" sz="1400"/>
+                    </a:p>
+                  </a:txBody>
+                  <a:tcPr/>
+                </a:tc>
+                <a:tc>
+                  <a:txBody>
+                    <a:bodyPr/>
+                    <a:lstStyle/>
+                    <a:p>
+                      <a:pPr algn="ctr"/>
+                      <a:endParaRPr lang="en-US" sz="1400"/>
                     </a:p>
                   </a:txBody>
                   <a:tcPr/>
                 </a:tc>
               </a:tr>
-              <a:tr h="347333">
+              <a:tr h="328037">
                 <a:tc>
                   <a:txBody>
                     <a:bodyPr/>
@@ -3794,53 +3811,58 @@
                     <a:bodyPr/>
                     <a:lstStyle/>
                     <a:p>
-                      <a:endParaRPr lang="en-US" sz="1600" dirty="0"/>
-                    </a:p>
-                  </a:txBody>
-                  <a:tcPr/>
-                </a:tc>
-                <a:tc>
-                  <a:txBody>
-                    <a:bodyPr/>
-                    <a:lstStyle/>
-                    <a:p>
-                      <a:endParaRPr lang="en-US" sz="1600" dirty="0"/>
-                    </a:p>
-                  </a:txBody>
-                  <a:tcPr/>
-                </a:tc>
-                <a:tc>
-                  <a:txBody>
-                    <a:bodyPr/>
-                    <a:lstStyle/>
-                    <a:p>
-                      <a:endParaRPr lang="en-US" sz="1600"/>
-                    </a:p>
-                  </a:txBody>
-                  <a:tcPr/>
-                </a:tc>
-                <a:tc>
-                  <a:txBody>
-                    <a:bodyPr/>
-                    <a:lstStyle/>
-                    <a:p>
-                      <a:endParaRPr lang="en-US" sz="1600"/>
-                    </a:p>
-                  </a:txBody>
-                  <a:tcPr/>
-                </a:tc>
-                <a:tc>
-                  <a:txBody>
-                    <a:bodyPr/>
-                    <a:lstStyle/>
-                    <a:p>
-                      <a:endParaRPr lang="en-US" sz="1600"/>
+                      <a:pPr algn="ctr"/>
+                      <a:endParaRPr lang="en-US" sz="1400" dirty="0"/>
+                    </a:p>
+                  </a:txBody>
+                  <a:tcPr/>
+                </a:tc>
+                <a:tc>
+                  <a:txBody>
+                    <a:bodyPr/>
+                    <a:lstStyle/>
+                    <a:p>
+                      <a:pPr algn="ctr"/>
+                      <a:endParaRPr lang="en-US" sz="1400" dirty="0"/>
+                    </a:p>
+                  </a:txBody>
+                  <a:tcPr/>
+                </a:tc>
+                <a:tc>
+                  <a:txBody>
+                    <a:bodyPr/>
+                    <a:lstStyle/>
+                    <a:p>
+                      <a:pPr algn="ctr"/>
+                      <a:endParaRPr lang="en-US" sz="1400"/>
+                    </a:p>
+                  </a:txBody>
+                  <a:tcPr/>
+                </a:tc>
+                <a:tc>
+                  <a:txBody>
+                    <a:bodyPr/>
+                    <a:lstStyle/>
+                    <a:p>
+                      <a:pPr algn="ctr"/>
+                      <a:endParaRPr lang="en-US" sz="1400"/>
+                    </a:p>
+                  </a:txBody>
+                  <a:tcPr/>
+                </a:tc>
+                <a:tc>
+                  <a:txBody>
+                    <a:bodyPr/>
+                    <a:lstStyle/>
+                    <a:p>
+                      <a:pPr algn="ctr"/>
+                      <a:endParaRPr lang="en-US" sz="1400"/>
                     </a:p>
                   </a:txBody>
                   <a:tcPr/>
                 </a:tc>
               </a:tr>
-              <a:tr h="347333">
+              <a:tr h="328037">
                 <a:tc>
                   <a:txBody>
                     <a:bodyPr/>
@@ -3904,53 +3926,58 @@
                     <a:bodyPr/>
                     <a:lstStyle/>
                     <a:p>
-                      <a:endParaRPr lang="en-US" sz="1600"/>
-                    </a:p>
-                  </a:txBody>
-                  <a:tcPr/>
-                </a:tc>
-                <a:tc>
-                  <a:txBody>
-                    <a:bodyPr/>
-                    <a:lstStyle/>
-                    <a:p>
-                      <a:endParaRPr lang="en-US" sz="1600"/>
-                    </a:p>
-                  </a:txBody>
-                  <a:tcPr/>
-                </a:tc>
-                <a:tc>
-                  <a:txBody>
-                    <a:bodyPr/>
-                    <a:lstStyle/>
-                    <a:p>
-                      <a:endParaRPr lang="en-US" sz="1600"/>
-                    </a:p>
-                  </a:txBody>
-                  <a:tcPr/>
-                </a:tc>
-                <a:tc>
-                  <a:txBody>
-                    <a:bodyPr/>
-                    <a:lstStyle/>
-                    <a:p>
-                      <a:endParaRPr lang="en-US" sz="1600" dirty="0"/>
-                    </a:p>
-                  </a:txBody>
-                  <a:tcPr/>
-                </a:tc>
-                <a:tc>
-                  <a:txBody>
-                    <a:bodyPr/>
-                    <a:lstStyle/>
-                    <a:p>
-                      <a:endParaRPr lang="en-US" sz="1600"/>
+                      <a:pPr algn="ctr"/>
+                      <a:endParaRPr lang="en-US" sz="1400"/>
+                    </a:p>
+                  </a:txBody>
+                  <a:tcPr/>
+                </a:tc>
+                <a:tc>
+                  <a:txBody>
+                    <a:bodyPr/>
+                    <a:lstStyle/>
+                    <a:p>
+                      <a:pPr algn="ctr"/>
+                      <a:endParaRPr lang="en-US" sz="1400" dirty="0"/>
+                    </a:p>
+                  </a:txBody>
+                  <a:tcPr/>
+                </a:tc>
+                <a:tc>
+                  <a:txBody>
+                    <a:bodyPr/>
+                    <a:lstStyle/>
+                    <a:p>
+                      <a:pPr algn="ctr"/>
+                      <a:endParaRPr lang="en-US" sz="1400"/>
+                    </a:p>
+                  </a:txBody>
+                  <a:tcPr/>
+                </a:tc>
+                <a:tc>
+                  <a:txBody>
+                    <a:bodyPr/>
+                    <a:lstStyle/>
+                    <a:p>
+                      <a:pPr algn="ctr"/>
+                      <a:endParaRPr lang="en-US" sz="1400" dirty="0"/>
+                    </a:p>
+                  </a:txBody>
+                  <a:tcPr/>
+                </a:tc>
+                <a:tc>
+                  <a:txBody>
+                    <a:bodyPr/>
+                    <a:lstStyle/>
+                    <a:p>
+                      <a:pPr algn="ctr"/>
+                      <a:endParaRPr lang="en-US" sz="1400"/>
                     </a:p>
                   </a:txBody>
                   <a:tcPr/>
                 </a:tc>
               </a:tr>
-              <a:tr h="347333">
+              <a:tr h="328037">
                 <a:tc>
                   <a:txBody>
                     <a:bodyPr/>
@@ -4050,53 +4077,58 @@
                     <a:bodyPr/>
                     <a:lstStyle/>
                     <a:p>
-                      <a:endParaRPr lang="en-US" sz="1600"/>
-                    </a:p>
-                  </a:txBody>
-                  <a:tcPr/>
-                </a:tc>
-                <a:tc>
-                  <a:txBody>
-                    <a:bodyPr/>
-                    <a:lstStyle/>
-                    <a:p>
-                      <a:endParaRPr lang="en-US" sz="1600"/>
-                    </a:p>
-                  </a:txBody>
-                  <a:tcPr/>
-                </a:tc>
-                <a:tc>
-                  <a:txBody>
-                    <a:bodyPr/>
-                    <a:lstStyle/>
-                    <a:p>
-                      <a:endParaRPr lang="en-US" sz="1600"/>
-                    </a:p>
-                  </a:txBody>
-                  <a:tcPr/>
-                </a:tc>
-                <a:tc>
-                  <a:txBody>
-                    <a:bodyPr/>
-                    <a:lstStyle/>
-                    <a:p>
-                      <a:endParaRPr lang="en-US" sz="1600"/>
-                    </a:p>
-                  </a:txBody>
-                  <a:tcPr/>
-                </a:tc>
-                <a:tc>
-                  <a:txBody>
-                    <a:bodyPr/>
-                    <a:lstStyle/>
-                    <a:p>
-                      <a:endParaRPr lang="en-US" sz="1600" dirty="0"/>
+                      <a:pPr algn="ctr"/>
+                      <a:endParaRPr lang="en-US" sz="1400"/>
+                    </a:p>
+                  </a:txBody>
+                  <a:tcPr/>
+                </a:tc>
+                <a:tc>
+                  <a:txBody>
+                    <a:bodyPr/>
+                    <a:lstStyle/>
+                    <a:p>
+                      <a:pPr algn="ctr"/>
+                      <a:endParaRPr lang="en-US" sz="1400"/>
+                    </a:p>
+                  </a:txBody>
+                  <a:tcPr/>
+                </a:tc>
+                <a:tc>
+                  <a:txBody>
+                    <a:bodyPr/>
+                    <a:lstStyle/>
+                    <a:p>
+                      <a:pPr algn="ctr"/>
+                      <a:endParaRPr lang="en-US" sz="1400" dirty="0"/>
+                    </a:p>
+                  </a:txBody>
+                  <a:tcPr/>
+                </a:tc>
+                <a:tc>
+                  <a:txBody>
+                    <a:bodyPr/>
+                    <a:lstStyle/>
+                    <a:p>
+                      <a:pPr algn="ctr"/>
+                      <a:endParaRPr lang="en-US" sz="1400"/>
+                    </a:p>
+                  </a:txBody>
+                  <a:tcPr/>
+                </a:tc>
+                <a:tc>
+                  <a:txBody>
+                    <a:bodyPr/>
+                    <a:lstStyle/>
+                    <a:p>
+                      <a:pPr algn="ctr"/>
+                      <a:endParaRPr lang="en-US" sz="1400" dirty="0"/>
                     </a:p>
                   </a:txBody>
                   <a:tcPr/>
                 </a:tc>
               </a:tr>
-              <a:tr h="347333">
+              <a:tr h="328037">
                 <a:tc>
                   <a:txBody>
                     <a:bodyPr/>
@@ -4160,53 +4192,58 @@
                     <a:bodyPr/>
                     <a:lstStyle/>
                     <a:p>
-                      <a:endParaRPr lang="en-US" sz="1600" dirty="0"/>
-                    </a:p>
-                  </a:txBody>
-                  <a:tcPr/>
-                </a:tc>
-                <a:tc>
-                  <a:txBody>
-                    <a:bodyPr/>
-                    <a:lstStyle/>
-                    <a:p>
-                      <a:endParaRPr lang="en-US" sz="1600"/>
-                    </a:p>
-                  </a:txBody>
-                  <a:tcPr/>
-                </a:tc>
-                <a:tc>
-                  <a:txBody>
-                    <a:bodyPr/>
-                    <a:lstStyle/>
-                    <a:p>
-                      <a:endParaRPr lang="en-US" sz="1600"/>
-                    </a:p>
-                  </a:txBody>
-                  <a:tcPr/>
-                </a:tc>
-                <a:tc>
-                  <a:txBody>
-                    <a:bodyPr/>
-                    <a:lstStyle/>
-                    <a:p>
-                      <a:endParaRPr lang="en-US" sz="1600"/>
-                    </a:p>
-                  </a:txBody>
-                  <a:tcPr/>
-                </a:tc>
-                <a:tc>
-                  <a:txBody>
-                    <a:bodyPr/>
-                    <a:lstStyle/>
-                    <a:p>
-                      <a:endParaRPr lang="en-US" sz="1600" dirty="0"/>
+                      <a:pPr algn="ctr"/>
+                      <a:endParaRPr lang="en-US" sz="1400" dirty="0"/>
+                    </a:p>
+                  </a:txBody>
+                  <a:tcPr/>
+                </a:tc>
+                <a:tc>
+                  <a:txBody>
+                    <a:bodyPr/>
+                    <a:lstStyle/>
+                    <a:p>
+                      <a:pPr algn="ctr"/>
+                      <a:endParaRPr lang="en-US" sz="1400"/>
+                    </a:p>
+                  </a:txBody>
+                  <a:tcPr/>
+                </a:tc>
+                <a:tc>
+                  <a:txBody>
+                    <a:bodyPr/>
+                    <a:lstStyle/>
+                    <a:p>
+                      <a:pPr algn="ctr"/>
+                      <a:endParaRPr lang="en-US" sz="1400" dirty="0"/>
+                    </a:p>
+                  </a:txBody>
+                  <a:tcPr/>
+                </a:tc>
+                <a:tc>
+                  <a:txBody>
+                    <a:bodyPr/>
+                    <a:lstStyle/>
+                    <a:p>
+                      <a:pPr algn="ctr"/>
+                      <a:endParaRPr lang="en-US" sz="1400"/>
+                    </a:p>
+                  </a:txBody>
+                  <a:tcPr/>
+                </a:tc>
+                <a:tc>
+                  <a:txBody>
+                    <a:bodyPr/>
+                    <a:lstStyle/>
+                    <a:p>
+                      <a:pPr algn="ctr"/>
+                      <a:endParaRPr lang="en-US" sz="1400" dirty="0"/>
                     </a:p>
                   </a:txBody>
                   <a:tcPr/>
                 </a:tc>
               </a:tr>
-              <a:tr h="347333">
+              <a:tr h="328037">
                 <a:tc>
                   <a:txBody>
                     <a:bodyPr/>
@@ -4234,53 +4271,58 @@
                     <a:bodyPr/>
                     <a:lstStyle/>
                     <a:p>
-                      <a:endParaRPr lang="en-US" sz="1600"/>
-                    </a:p>
-                  </a:txBody>
-                  <a:tcPr/>
-                </a:tc>
-                <a:tc>
-                  <a:txBody>
-                    <a:bodyPr/>
-                    <a:lstStyle/>
-                    <a:p>
-                      <a:endParaRPr lang="en-US" sz="1600"/>
-                    </a:p>
-                  </a:txBody>
-                  <a:tcPr/>
-                </a:tc>
-                <a:tc>
-                  <a:txBody>
-                    <a:bodyPr/>
-                    <a:lstStyle/>
-                    <a:p>
-                      <a:endParaRPr lang="en-US" sz="1600"/>
-                    </a:p>
-                  </a:txBody>
-                  <a:tcPr/>
-                </a:tc>
-                <a:tc>
-                  <a:txBody>
-                    <a:bodyPr/>
-                    <a:lstStyle/>
-                    <a:p>
-                      <a:endParaRPr lang="en-US" sz="1600"/>
-                    </a:p>
-                  </a:txBody>
-                  <a:tcPr/>
-                </a:tc>
-                <a:tc>
-                  <a:txBody>
-                    <a:bodyPr/>
-                    <a:lstStyle/>
-                    <a:p>
-                      <a:endParaRPr lang="en-US" sz="1600" dirty="0"/>
+                      <a:pPr algn="ctr"/>
+                      <a:endParaRPr lang="en-US" sz="1400"/>
+                    </a:p>
+                  </a:txBody>
+                  <a:tcPr/>
+                </a:tc>
+                <a:tc>
+                  <a:txBody>
+                    <a:bodyPr/>
+                    <a:lstStyle/>
+                    <a:p>
+                      <a:pPr algn="ctr"/>
+                      <a:endParaRPr lang="en-US" sz="1400"/>
+                    </a:p>
+                  </a:txBody>
+                  <a:tcPr/>
+                </a:tc>
+                <a:tc>
+                  <a:txBody>
+                    <a:bodyPr/>
+                    <a:lstStyle/>
+                    <a:p>
+                      <a:pPr algn="ctr"/>
+                      <a:endParaRPr lang="en-US" sz="1400" dirty="0"/>
+                    </a:p>
+                  </a:txBody>
+                  <a:tcPr/>
+                </a:tc>
+                <a:tc>
+                  <a:txBody>
+                    <a:bodyPr/>
+                    <a:lstStyle/>
+                    <a:p>
+                      <a:pPr algn="ctr"/>
+                      <a:endParaRPr lang="en-US" sz="1400"/>
+                    </a:p>
+                  </a:txBody>
+                  <a:tcPr/>
+                </a:tc>
+                <a:tc>
+                  <a:txBody>
+                    <a:bodyPr/>
+                    <a:lstStyle/>
+                    <a:p>
+                      <a:pPr algn="ctr"/>
+                      <a:endParaRPr lang="en-US" sz="1400" dirty="0"/>
                     </a:p>
                   </a:txBody>
                   <a:tcPr/>
                 </a:tc>
               </a:tr>
-              <a:tr h="347333">
+              <a:tr h="328037">
                 <a:tc>
                   <a:txBody>
                     <a:bodyPr/>
@@ -4304,53 +4346,58 @@
                     <a:bodyPr/>
                     <a:lstStyle/>
                     <a:p>
-                      <a:endParaRPr lang="en-US" sz="1600"/>
-                    </a:p>
-                  </a:txBody>
-                  <a:tcPr/>
-                </a:tc>
-                <a:tc>
-                  <a:txBody>
-                    <a:bodyPr/>
-                    <a:lstStyle/>
-                    <a:p>
-                      <a:endParaRPr lang="en-US" sz="1600"/>
-                    </a:p>
-                  </a:txBody>
-                  <a:tcPr/>
-                </a:tc>
-                <a:tc>
-                  <a:txBody>
-                    <a:bodyPr/>
-                    <a:lstStyle/>
-                    <a:p>
-                      <a:endParaRPr lang="en-US" sz="1600"/>
-                    </a:p>
-                  </a:txBody>
-                  <a:tcPr/>
-                </a:tc>
-                <a:tc>
-                  <a:txBody>
-                    <a:bodyPr/>
-                    <a:lstStyle/>
-                    <a:p>
-                      <a:endParaRPr lang="en-US" sz="1600"/>
-                    </a:p>
-                  </a:txBody>
-                  <a:tcPr/>
-                </a:tc>
-                <a:tc>
-                  <a:txBody>
-                    <a:bodyPr/>
-                    <a:lstStyle/>
-                    <a:p>
-                      <a:endParaRPr lang="en-US" sz="1600" dirty="0"/>
+                      <a:pPr algn="ctr"/>
+                      <a:endParaRPr lang="en-US" sz="1400"/>
+                    </a:p>
+                  </a:txBody>
+                  <a:tcPr/>
+                </a:tc>
+                <a:tc>
+                  <a:txBody>
+                    <a:bodyPr/>
+                    <a:lstStyle/>
+                    <a:p>
+                      <a:pPr algn="ctr"/>
+                      <a:endParaRPr lang="en-US" sz="1400"/>
+                    </a:p>
+                  </a:txBody>
+                  <a:tcPr/>
+                </a:tc>
+                <a:tc>
+                  <a:txBody>
+                    <a:bodyPr/>
+                    <a:lstStyle/>
+                    <a:p>
+                      <a:pPr algn="ctr"/>
+                      <a:endParaRPr lang="en-US" sz="1400" dirty="0"/>
+                    </a:p>
+                  </a:txBody>
+                  <a:tcPr/>
+                </a:tc>
+                <a:tc>
+                  <a:txBody>
+                    <a:bodyPr/>
+                    <a:lstStyle/>
+                    <a:p>
+                      <a:pPr algn="ctr"/>
+                      <a:endParaRPr lang="en-US" sz="1400"/>
+                    </a:p>
+                  </a:txBody>
+                  <a:tcPr/>
+                </a:tc>
+                <a:tc>
+                  <a:txBody>
+                    <a:bodyPr/>
+                    <a:lstStyle/>
+                    <a:p>
+                      <a:pPr algn="ctr"/>
+                      <a:endParaRPr lang="en-US" sz="1400" dirty="0"/>
                     </a:p>
                   </a:txBody>
                   <a:tcPr/>
                 </a:tc>
               </a:tr>
-              <a:tr h="347333">
+              <a:tr h="328037">
                 <a:tc>
                   <a:txBody>
                     <a:bodyPr/>
@@ -4390,53 +4437,58 @@
                     <a:bodyPr/>
                     <a:lstStyle/>
                     <a:p>
-                      <a:endParaRPr lang="en-US" sz="1600" dirty="0"/>
-                    </a:p>
-                  </a:txBody>
-                  <a:tcPr/>
-                </a:tc>
-                <a:tc>
-                  <a:txBody>
-                    <a:bodyPr/>
-                    <a:lstStyle/>
-                    <a:p>
-                      <a:endParaRPr lang="en-US" sz="1600"/>
-                    </a:p>
-                  </a:txBody>
-                  <a:tcPr/>
-                </a:tc>
-                <a:tc>
-                  <a:txBody>
-                    <a:bodyPr/>
-                    <a:lstStyle/>
-                    <a:p>
-                      <a:endParaRPr lang="en-US" sz="1600"/>
-                    </a:p>
-                  </a:txBody>
-                  <a:tcPr/>
-                </a:tc>
-                <a:tc>
-                  <a:txBody>
-                    <a:bodyPr/>
-                    <a:lstStyle/>
-                    <a:p>
-                      <a:endParaRPr lang="en-US" sz="1600"/>
-                    </a:p>
-                  </a:txBody>
-                  <a:tcPr/>
-                </a:tc>
-                <a:tc>
-                  <a:txBody>
-                    <a:bodyPr/>
-                    <a:lstStyle/>
-                    <a:p>
-                      <a:endParaRPr lang="en-US" sz="1600" dirty="0"/>
+                      <a:pPr algn="ctr"/>
+                      <a:endParaRPr lang="en-US" sz="1400" dirty="0"/>
+                    </a:p>
+                  </a:txBody>
+                  <a:tcPr/>
+                </a:tc>
+                <a:tc>
+                  <a:txBody>
+                    <a:bodyPr/>
+                    <a:lstStyle/>
+                    <a:p>
+                      <a:pPr algn="ctr"/>
+                      <a:endParaRPr lang="en-US" sz="1400"/>
+                    </a:p>
+                  </a:txBody>
+                  <a:tcPr/>
+                </a:tc>
+                <a:tc>
+                  <a:txBody>
+                    <a:bodyPr/>
+                    <a:lstStyle/>
+                    <a:p>
+                      <a:pPr algn="ctr"/>
+                      <a:endParaRPr lang="en-US" sz="1400"/>
+                    </a:p>
+                  </a:txBody>
+                  <a:tcPr/>
+                </a:tc>
+                <a:tc>
+                  <a:txBody>
+                    <a:bodyPr/>
+                    <a:lstStyle/>
+                    <a:p>
+                      <a:pPr algn="ctr"/>
+                      <a:endParaRPr lang="en-US" sz="1400" dirty="0"/>
+                    </a:p>
+                  </a:txBody>
+                  <a:tcPr/>
+                </a:tc>
+                <a:tc>
+                  <a:txBody>
+                    <a:bodyPr/>
+                    <a:lstStyle/>
+                    <a:p>
+                      <a:pPr algn="ctr"/>
+                      <a:endParaRPr lang="en-US" sz="1400" dirty="0"/>
                     </a:p>
                   </a:txBody>
                   <a:tcPr/>
                 </a:tc>
               </a:tr>
-              <a:tr h="347333">
+              <a:tr h="328037">
                 <a:tc>
                   <a:txBody>
                     <a:bodyPr/>
@@ -4464,53 +4516,58 @@
                     <a:bodyPr/>
                     <a:lstStyle/>
                     <a:p>
-                      <a:endParaRPr lang="en-US" sz="1600"/>
-                    </a:p>
-                  </a:txBody>
-                  <a:tcPr/>
-                </a:tc>
-                <a:tc>
-                  <a:txBody>
-                    <a:bodyPr/>
-                    <a:lstStyle/>
-                    <a:p>
-                      <a:endParaRPr lang="en-US" sz="1600"/>
-                    </a:p>
-                  </a:txBody>
-                  <a:tcPr/>
-                </a:tc>
-                <a:tc>
-                  <a:txBody>
-                    <a:bodyPr/>
-                    <a:lstStyle/>
-                    <a:p>
-                      <a:endParaRPr lang="en-US" sz="1600"/>
-                    </a:p>
-                  </a:txBody>
-                  <a:tcPr/>
-                </a:tc>
-                <a:tc>
-                  <a:txBody>
-                    <a:bodyPr/>
-                    <a:lstStyle/>
-                    <a:p>
-                      <a:endParaRPr lang="en-US" sz="1600"/>
-                    </a:p>
-                  </a:txBody>
-                  <a:tcPr/>
-                </a:tc>
-                <a:tc>
-                  <a:txBody>
-                    <a:bodyPr/>
-                    <a:lstStyle/>
-                    <a:p>
-                      <a:endParaRPr lang="en-US" sz="1600" dirty="0"/>
+                      <a:pPr algn="ctr"/>
+                      <a:endParaRPr lang="en-US" sz="1400" dirty="0"/>
+                    </a:p>
+                  </a:txBody>
+                  <a:tcPr/>
+                </a:tc>
+                <a:tc>
+                  <a:txBody>
+                    <a:bodyPr/>
+                    <a:lstStyle/>
+                    <a:p>
+                      <a:pPr algn="ctr"/>
+                      <a:endParaRPr lang="en-US" sz="1400"/>
+                    </a:p>
+                  </a:txBody>
+                  <a:tcPr/>
+                </a:tc>
+                <a:tc>
+                  <a:txBody>
+                    <a:bodyPr/>
+                    <a:lstStyle/>
+                    <a:p>
+                      <a:pPr algn="ctr"/>
+                      <a:endParaRPr lang="en-US" sz="1400"/>
+                    </a:p>
+                  </a:txBody>
+                  <a:tcPr/>
+                </a:tc>
+                <a:tc>
+                  <a:txBody>
+                    <a:bodyPr/>
+                    <a:lstStyle/>
+                    <a:p>
+                      <a:pPr algn="ctr"/>
+                      <a:endParaRPr lang="en-US" sz="1400" dirty="0"/>
+                    </a:p>
+                  </a:txBody>
+                  <a:tcPr/>
+                </a:tc>
+                <a:tc>
+                  <a:txBody>
+                    <a:bodyPr/>
+                    <a:lstStyle/>
+                    <a:p>
+                      <a:pPr algn="ctr"/>
+                      <a:endParaRPr lang="en-US" sz="1400" dirty="0"/>
                     </a:p>
                   </a:txBody>
                   <a:tcPr/>
                 </a:tc>
               </a:tr>
-              <a:tr h="347333">
+              <a:tr h="328037">
                 <a:tc>
                   <a:txBody>
                     <a:bodyPr/>
@@ -4562,53 +4619,58 @@
                     <a:bodyPr/>
                     <a:lstStyle/>
                     <a:p>
-                      <a:endParaRPr lang="en-US" sz="1600"/>
-                    </a:p>
-                  </a:txBody>
-                  <a:tcPr/>
-                </a:tc>
-                <a:tc>
-                  <a:txBody>
-                    <a:bodyPr/>
-                    <a:lstStyle/>
-                    <a:p>
-                      <a:endParaRPr lang="en-US" sz="1600"/>
-                    </a:p>
-                  </a:txBody>
-                  <a:tcPr/>
-                </a:tc>
-                <a:tc>
-                  <a:txBody>
-                    <a:bodyPr/>
-                    <a:lstStyle/>
-                    <a:p>
-                      <a:endParaRPr lang="en-US" sz="1600"/>
-                    </a:p>
-                  </a:txBody>
-                  <a:tcPr/>
-                </a:tc>
-                <a:tc>
-                  <a:txBody>
-                    <a:bodyPr/>
-                    <a:lstStyle/>
-                    <a:p>
-                      <a:endParaRPr lang="en-US" sz="1600"/>
-                    </a:p>
-                  </a:txBody>
-                  <a:tcPr/>
-                </a:tc>
-                <a:tc>
-                  <a:txBody>
-                    <a:bodyPr/>
-                    <a:lstStyle/>
-                    <a:p>
-                      <a:endParaRPr lang="en-US" sz="1600" dirty="0"/>
+                      <a:pPr algn="ctr"/>
+                      <a:endParaRPr lang="en-US" sz="1400" dirty="0"/>
+                    </a:p>
+                  </a:txBody>
+                  <a:tcPr/>
+                </a:tc>
+                <a:tc>
+                  <a:txBody>
+                    <a:bodyPr/>
+                    <a:lstStyle/>
+                    <a:p>
+                      <a:pPr algn="ctr"/>
+                      <a:endParaRPr lang="en-US" sz="1400"/>
+                    </a:p>
+                  </a:txBody>
+                  <a:tcPr/>
+                </a:tc>
+                <a:tc>
+                  <a:txBody>
+                    <a:bodyPr/>
+                    <a:lstStyle/>
+                    <a:p>
+                      <a:pPr algn="ctr"/>
+                      <a:endParaRPr lang="en-US" sz="1400"/>
+                    </a:p>
+                  </a:txBody>
+                  <a:tcPr/>
+                </a:tc>
+                <a:tc>
+                  <a:txBody>
+                    <a:bodyPr/>
+                    <a:lstStyle/>
+                    <a:p>
+                      <a:pPr algn="ctr"/>
+                      <a:endParaRPr lang="en-US" sz="1400" dirty="0"/>
+                    </a:p>
+                  </a:txBody>
+                  <a:tcPr/>
+                </a:tc>
+                <a:tc>
+                  <a:txBody>
+                    <a:bodyPr/>
+                    <a:lstStyle/>
+                    <a:p>
+                      <a:pPr algn="ctr"/>
+                      <a:endParaRPr lang="en-US" sz="1400" dirty="0"/>
                     </a:p>
                   </a:txBody>
                   <a:tcPr/>
                 </a:tc>
               </a:tr>
-              <a:tr h="347333">
+              <a:tr h="328037">
                 <a:tc>
                   <a:txBody>
                     <a:bodyPr/>
@@ -4672,53 +4734,58 @@
                     <a:bodyPr/>
                     <a:lstStyle/>
                     <a:p>
-                      <a:endParaRPr lang="en-US" sz="1600"/>
-                    </a:p>
-                  </a:txBody>
-                  <a:tcPr/>
-                </a:tc>
-                <a:tc>
-                  <a:txBody>
-                    <a:bodyPr/>
-                    <a:lstStyle/>
-                    <a:p>
-                      <a:endParaRPr lang="en-US" sz="1600"/>
-                    </a:p>
-                  </a:txBody>
-                  <a:tcPr/>
-                </a:tc>
-                <a:tc>
-                  <a:txBody>
-                    <a:bodyPr/>
-                    <a:lstStyle/>
-                    <a:p>
-                      <a:endParaRPr lang="en-US" sz="1600"/>
-                    </a:p>
-                  </a:txBody>
-                  <a:tcPr/>
-                </a:tc>
-                <a:tc>
-                  <a:txBody>
-                    <a:bodyPr/>
-                    <a:lstStyle/>
-                    <a:p>
-                      <a:endParaRPr lang="en-US" sz="1600"/>
-                    </a:p>
-                  </a:txBody>
-                  <a:tcPr/>
-                </a:tc>
-                <a:tc>
-                  <a:txBody>
-                    <a:bodyPr/>
-                    <a:lstStyle/>
-                    <a:p>
-                      <a:endParaRPr lang="en-US" sz="1600"/>
+                      <a:pPr algn="ctr"/>
+                      <a:endParaRPr lang="en-US" sz="1400" dirty="0"/>
+                    </a:p>
+                  </a:txBody>
+                  <a:tcPr/>
+                </a:tc>
+                <a:tc>
+                  <a:txBody>
+                    <a:bodyPr/>
+                    <a:lstStyle/>
+                    <a:p>
+                      <a:pPr algn="ctr"/>
+                      <a:endParaRPr lang="en-US" sz="1400"/>
+                    </a:p>
+                  </a:txBody>
+                  <a:tcPr/>
+                </a:tc>
+                <a:tc>
+                  <a:txBody>
+                    <a:bodyPr/>
+                    <a:lstStyle/>
+                    <a:p>
+                      <a:pPr algn="ctr"/>
+                      <a:endParaRPr lang="en-US" sz="1400"/>
+                    </a:p>
+                  </a:txBody>
+                  <a:tcPr/>
+                </a:tc>
+                <a:tc>
+                  <a:txBody>
+                    <a:bodyPr/>
+                    <a:lstStyle/>
+                    <a:p>
+                      <a:pPr algn="ctr"/>
+                      <a:endParaRPr lang="en-US" sz="1400" dirty="0"/>
+                    </a:p>
+                  </a:txBody>
+                  <a:tcPr/>
+                </a:tc>
+                <a:tc>
+                  <a:txBody>
+                    <a:bodyPr/>
+                    <a:lstStyle/>
+                    <a:p>
+                      <a:pPr algn="ctr"/>
+                      <a:endParaRPr lang="en-US" sz="1400"/>
                     </a:p>
                   </a:txBody>
                   <a:tcPr/>
                 </a:tc>
               </a:tr>
-              <a:tr h="347333">
+              <a:tr h="328037">
                 <a:tc>
                   <a:txBody>
                     <a:bodyPr/>
@@ -4746,53 +4813,58 @@
                     <a:bodyPr/>
                     <a:lstStyle/>
                     <a:p>
-                      <a:endParaRPr lang="en-US" sz="1600"/>
-                    </a:p>
-                  </a:txBody>
-                  <a:tcPr/>
-                </a:tc>
-                <a:tc>
-                  <a:txBody>
-                    <a:bodyPr/>
-                    <a:lstStyle/>
-                    <a:p>
-                      <a:endParaRPr lang="en-US" sz="1600"/>
-                    </a:p>
-                  </a:txBody>
-                  <a:tcPr/>
-                </a:tc>
-                <a:tc>
-                  <a:txBody>
-                    <a:bodyPr/>
-                    <a:lstStyle/>
-                    <a:p>
-                      <a:endParaRPr lang="en-US" sz="1600"/>
-                    </a:p>
-                  </a:txBody>
-                  <a:tcPr/>
-                </a:tc>
-                <a:tc>
-                  <a:txBody>
-                    <a:bodyPr/>
-                    <a:lstStyle/>
-                    <a:p>
-                      <a:endParaRPr lang="en-US" sz="1600"/>
-                    </a:p>
-                  </a:txBody>
-                  <a:tcPr/>
-                </a:tc>
-                <a:tc>
-                  <a:txBody>
-                    <a:bodyPr/>
-                    <a:lstStyle/>
-                    <a:p>
-                      <a:endParaRPr lang="en-US" sz="1600"/>
+                      <a:pPr algn="ctr"/>
+                      <a:endParaRPr lang="en-US" sz="1400"/>
+                    </a:p>
+                  </a:txBody>
+                  <a:tcPr/>
+                </a:tc>
+                <a:tc>
+                  <a:txBody>
+                    <a:bodyPr/>
+                    <a:lstStyle/>
+                    <a:p>
+                      <a:pPr algn="ctr"/>
+                      <a:endParaRPr lang="en-US" sz="1400"/>
+                    </a:p>
+                  </a:txBody>
+                  <a:tcPr/>
+                </a:tc>
+                <a:tc>
+                  <a:txBody>
+                    <a:bodyPr/>
+                    <a:lstStyle/>
+                    <a:p>
+                      <a:pPr algn="ctr"/>
+                      <a:endParaRPr lang="en-US" sz="1400"/>
+                    </a:p>
+                  </a:txBody>
+                  <a:tcPr/>
+                </a:tc>
+                <a:tc>
+                  <a:txBody>
+                    <a:bodyPr/>
+                    <a:lstStyle/>
+                    <a:p>
+                      <a:pPr algn="ctr"/>
+                      <a:endParaRPr lang="en-US" sz="1400"/>
+                    </a:p>
+                  </a:txBody>
+                  <a:tcPr/>
+                </a:tc>
+                <a:tc>
+                  <a:txBody>
+                    <a:bodyPr/>
+                    <a:lstStyle/>
+                    <a:p>
+                      <a:pPr algn="ctr"/>
+                      <a:endParaRPr lang="en-US" sz="1400" dirty="0"/>
                     </a:p>
                   </a:txBody>
                   <a:tcPr/>
                 </a:tc>
               </a:tr>
-              <a:tr h="347333">
+              <a:tr h="328037">
                 <a:tc>
                   <a:txBody>
                     <a:bodyPr/>
@@ -4844,53 +4916,58 @@
                     <a:bodyPr/>
                     <a:lstStyle/>
                     <a:p>
-                      <a:endParaRPr lang="en-US" sz="1600"/>
-                    </a:p>
-                  </a:txBody>
-                  <a:tcPr/>
-                </a:tc>
-                <a:tc>
-                  <a:txBody>
-                    <a:bodyPr/>
-                    <a:lstStyle/>
-                    <a:p>
-                      <a:endParaRPr lang="en-US" sz="1600" dirty="0"/>
-                    </a:p>
-                  </a:txBody>
-                  <a:tcPr/>
-                </a:tc>
-                <a:tc>
-                  <a:txBody>
-                    <a:bodyPr/>
-                    <a:lstStyle/>
-                    <a:p>
-                      <a:endParaRPr lang="en-US" sz="1600"/>
-                    </a:p>
-                  </a:txBody>
-                  <a:tcPr/>
-                </a:tc>
-                <a:tc>
-                  <a:txBody>
-                    <a:bodyPr/>
-                    <a:lstStyle/>
-                    <a:p>
-                      <a:endParaRPr lang="en-US" sz="1600"/>
-                    </a:p>
-                  </a:txBody>
-                  <a:tcPr/>
-                </a:tc>
-                <a:tc>
-                  <a:txBody>
-                    <a:bodyPr/>
-                    <a:lstStyle/>
-                    <a:p>
-                      <a:endParaRPr lang="en-SG" sz="1600" dirty="0" smtClean="0"/>
+                      <a:pPr algn="ctr"/>
+                      <a:endParaRPr lang="en-US" sz="1400"/>
+                    </a:p>
+                  </a:txBody>
+                  <a:tcPr/>
+                </a:tc>
+                <a:tc>
+                  <a:txBody>
+                    <a:bodyPr/>
+                    <a:lstStyle/>
+                    <a:p>
+                      <a:pPr algn="ctr"/>
+                      <a:endParaRPr lang="en-US" sz="1400" dirty="0"/>
+                    </a:p>
+                  </a:txBody>
+                  <a:tcPr/>
+                </a:tc>
+                <a:tc>
+                  <a:txBody>
+                    <a:bodyPr/>
+                    <a:lstStyle/>
+                    <a:p>
+                      <a:pPr algn="ctr"/>
+                      <a:endParaRPr lang="en-US" sz="1400"/>
+                    </a:p>
+                  </a:txBody>
+                  <a:tcPr/>
+                </a:tc>
+                <a:tc>
+                  <a:txBody>
+                    <a:bodyPr/>
+                    <a:lstStyle/>
+                    <a:p>
+                      <a:pPr algn="ctr"/>
+                      <a:endParaRPr lang="en-US" sz="1400"/>
+                    </a:p>
+                  </a:txBody>
+                  <a:tcPr/>
+                </a:tc>
+                <a:tc>
+                  <a:txBody>
+                    <a:bodyPr/>
+                    <a:lstStyle/>
+                    <a:p>
+                      <a:pPr algn="ctr"/>
+                      <a:endParaRPr lang="en-SG" sz="1400" dirty="0" smtClean="0"/>
                     </a:p>
                   </a:txBody>
                   <a:tcPr/>
                 </a:tc>
               </a:tr>
-              <a:tr h="347333">
+              <a:tr h="328037">
                 <a:tc>
                   <a:txBody>
                     <a:bodyPr/>
@@ -4930,53 +5007,58 @@
                     <a:bodyPr/>
                     <a:lstStyle/>
                     <a:p>
-                      <a:endParaRPr lang="en-US" sz="1600"/>
-                    </a:p>
-                  </a:txBody>
-                  <a:tcPr/>
-                </a:tc>
-                <a:tc>
-                  <a:txBody>
-                    <a:bodyPr/>
-                    <a:lstStyle/>
-                    <a:p>
-                      <a:endParaRPr lang="en-US" sz="1600" dirty="0"/>
-                    </a:p>
-                  </a:txBody>
-                  <a:tcPr/>
-                </a:tc>
-                <a:tc>
-                  <a:txBody>
-                    <a:bodyPr/>
-                    <a:lstStyle/>
-                    <a:p>
-                      <a:endParaRPr lang="en-US" sz="1600" dirty="0"/>
-                    </a:p>
-                  </a:txBody>
-                  <a:tcPr/>
-                </a:tc>
-                <a:tc>
-                  <a:txBody>
-                    <a:bodyPr/>
-                    <a:lstStyle/>
-                    <a:p>
-                      <a:endParaRPr lang="en-US" sz="1600"/>
-                    </a:p>
-                  </a:txBody>
-                  <a:tcPr/>
-                </a:tc>
-                <a:tc>
-                  <a:txBody>
-                    <a:bodyPr/>
-                    <a:lstStyle/>
-                    <a:p>
-                      <a:endParaRPr lang="en-SG" sz="1600" dirty="0" smtClean="0"/>
+                      <a:pPr algn="ctr"/>
+                      <a:endParaRPr lang="en-US" sz="1400"/>
+                    </a:p>
+                  </a:txBody>
+                  <a:tcPr/>
+                </a:tc>
+                <a:tc>
+                  <a:txBody>
+                    <a:bodyPr/>
+                    <a:lstStyle/>
+                    <a:p>
+                      <a:pPr algn="ctr"/>
+                      <a:endParaRPr lang="en-US" sz="1400" dirty="0"/>
+                    </a:p>
+                  </a:txBody>
+                  <a:tcPr/>
+                </a:tc>
+                <a:tc>
+                  <a:txBody>
+                    <a:bodyPr/>
+                    <a:lstStyle/>
+                    <a:p>
+                      <a:pPr algn="ctr"/>
+                      <a:endParaRPr lang="en-US" sz="1400" dirty="0"/>
+                    </a:p>
+                  </a:txBody>
+                  <a:tcPr/>
+                </a:tc>
+                <a:tc>
+                  <a:txBody>
+                    <a:bodyPr/>
+                    <a:lstStyle/>
+                    <a:p>
+                      <a:pPr algn="ctr"/>
+                      <a:endParaRPr lang="en-US" sz="1400"/>
+                    </a:p>
+                  </a:txBody>
+                  <a:tcPr/>
+                </a:tc>
+                <a:tc>
+                  <a:txBody>
+                    <a:bodyPr/>
+                    <a:lstStyle/>
+                    <a:p>
+                      <a:pPr algn="ctr"/>
+                      <a:endParaRPr lang="en-SG" sz="1400" dirty="0" smtClean="0"/>
                     </a:p>
                   </a:txBody>
                   <a:tcPr/>
                 </a:tc>
               </a:tr>
-              <a:tr h="347333">
+              <a:tr h="328037">
                 <a:tc>
                   <a:txBody>
                     <a:bodyPr/>
@@ -4984,23 +5066,86 @@
                     <a:p>
                       <a:r>
                         <a:rPr lang="en-SG" sz="1600" dirty="0" err="1" smtClean="0"/>
-                        <a:t>Koh</a:t>
+                        <a:t>Janan</a:t>
                       </a:r>
                       <a:r>
                         <a:rPr lang="en-SG" sz="1600" dirty="0" smtClean="0"/>
-                        <a:t> </a:t>
+                        <a:t> Tan</a:t>
                       </a:r>
+                      <a:endParaRPr lang="en-US" sz="1600" dirty="0"/>
+                    </a:p>
+                  </a:txBody>
+                  <a:tcPr/>
+                </a:tc>
+                <a:tc>
+                  <a:txBody>
+                    <a:bodyPr/>
+                    <a:lstStyle/>
+                    <a:p>
+                      <a:pPr algn="ctr"/>
+                      <a:endParaRPr lang="en-US" sz="1400"/>
+                    </a:p>
+                  </a:txBody>
+                  <a:tcPr/>
+                </a:tc>
+                <a:tc>
+                  <a:txBody>
+                    <a:bodyPr/>
+                    <a:lstStyle/>
+                    <a:p>
+                      <a:pPr algn="ctr"/>
+                      <a:endParaRPr lang="en-US" sz="1400" dirty="0"/>
+                    </a:p>
+                  </a:txBody>
+                  <a:tcPr/>
+                </a:tc>
+                <a:tc>
+                  <a:txBody>
+                    <a:bodyPr/>
+                    <a:lstStyle/>
+                    <a:p>
+                      <a:pPr algn="ctr"/>
+                      <a:endParaRPr lang="en-US" sz="1400"/>
+                    </a:p>
+                  </a:txBody>
+                  <a:tcPr/>
+                </a:tc>
+                <a:tc>
+                  <a:txBody>
+                    <a:bodyPr/>
+                    <a:lstStyle/>
+                    <a:p>
+                      <a:pPr algn="ctr"/>
+                      <a:endParaRPr lang="en-US" sz="1400"/>
+                    </a:p>
+                  </a:txBody>
+                  <a:tcPr/>
+                </a:tc>
+                <a:tc>
+                  <a:txBody>
+                    <a:bodyPr/>
+                    <a:lstStyle/>
+                    <a:p>
+                      <a:pPr algn="ctr"/>
+                      <a:endParaRPr lang="en-SG" sz="1400" dirty="0" smtClean="0"/>
+                    </a:p>
+                  </a:txBody>
+                  <a:tcPr/>
+                </a:tc>
+              </a:tr>
+              <a:tr h="328037">
+                <a:tc>
+                  <a:txBody>
+                    <a:bodyPr/>
+                    <a:lstStyle/>
+                    <a:p>
                       <a:r>
                         <a:rPr lang="en-SG" sz="1600" dirty="0" err="1" smtClean="0"/>
-                        <a:t>Kar</a:t>
+                        <a:t>Benjos</a:t>
                       </a:r>
                       <a:r>
                         <a:rPr lang="en-SG" sz="1600" dirty="0" smtClean="0"/>
-                        <a:t> </a:t>
-                      </a:r>
-                      <a:r>
-                        <a:rPr lang="en-SG" sz="1600" dirty="0" err="1" smtClean="0"/>
-                        <a:t>Chian</a:t>
+                        <a:t> Antony</a:t>
                       </a:r>
                       <a:endParaRPr lang="en-US" sz="1600" dirty="0"/>
                     </a:p>
@@ -5012,47 +5157,52 @@
                     <a:bodyPr/>
                     <a:lstStyle/>
                     <a:p>
-                      <a:endParaRPr lang="en-US" sz="1600"/>
-                    </a:p>
-                  </a:txBody>
-                  <a:tcPr/>
-                </a:tc>
-                <a:tc>
-                  <a:txBody>
-                    <a:bodyPr/>
-                    <a:lstStyle/>
-                    <a:p>
-                      <a:endParaRPr lang="en-US" sz="1600" dirty="0"/>
-                    </a:p>
-                  </a:txBody>
-                  <a:tcPr/>
-                </a:tc>
-                <a:tc>
-                  <a:txBody>
-                    <a:bodyPr/>
-                    <a:lstStyle/>
-                    <a:p>
-                      <a:endParaRPr lang="en-US" sz="1600"/>
-                    </a:p>
-                  </a:txBody>
-                  <a:tcPr/>
-                </a:tc>
-                <a:tc>
-                  <a:txBody>
-                    <a:bodyPr/>
-                    <a:lstStyle/>
-                    <a:p>
-                      <a:endParaRPr lang="en-US" sz="1600"/>
-                    </a:p>
-                  </a:txBody>
-                  <a:tcPr/>
-                </a:tc>
-                <a:tc>
-                  <a:txBody>
-                    <a:bodyPr/>
-                    <a:lstStyle/>
-                    <a:p>
-                      <a:endParaRPr lang="en-SG" sz="1600" dirty="0" smtClean="0"/>
+                      <a:pPr algn="ctr"/>
+                      <a:endParaRPr lang="en-US" sz="1400"/>
+                    </a:p>
+                  </a:txBody>
+                  <a:tcPr/>
+                </a:tc>
+                <a:tc>
+                  <a:txBody>
+                    <a:bodyPr/>
+                    <a:lstStyle/>
+                    <a:p>
+                      <a:pPr algn="ctr"/>
+                      <a:endParaRPr lang="en-US" sz="1400" dirty="0"/>
+                    </a:p>
+                  </a:txBody>
+                  <a:tcPr/>
+                </a:tc>
+                <a:tc>
+                  <a:txBody>
+                    <a:bodyPr/>
+                    <a:lstStyle/>
+                    <a:p>
+                      <a:pPr algn="ctr"/>
+                      <a:endParaRPr lang="en-US" sz="1400"/>
+                    </a:p>
+                  </a:txBody>
+                  <a:tcPr/>
+                </a:tc>
+                <a:tc>
+                  <a:txBody>
+                    <a:bodyPr/>
+                    <a:lstStyle/>
+                    <a:p>
+                      <a:pPr algn="ctr"/>
+                      <a:endParaRPr lang="en-US" sz="1400"/>
+                    </a:p>
+                  </a:txBody>
+                  <a:tcPr/>
+                </a:tc>
+                <a:tc>
+                  <a:txBody>
+                    <a:bodyPr/>
+                    <a:lstStyle/>
+                    <a:p>
+                      <a:pPr algn="ctr"/>
+                      <a:endParaRPr lang="en-SG" sz="1400" dirty="0" smtClean="0"/>
                     </a:p>
                   </a:txBody>
                   <a:tcPr/>
@@ -5177,6 +5327,13 @@
   <p:clrMapOvr>
     <a:masterClrMapping/>
   </p:clrMapOvr>
+  <p:timing>
+    <p:tnLst>
+      <p:par>
+        <p:cTn id="1" dur="indefinite" restart="never" nodeType="tmRoot"/>
+      </p:par>
+    </p:tnLst>
+  </p:timing>
 </p:sld>
 </file>
 

--- a/Drunken Preliminaries.pptx
+++ b/Drunken Preliminaries.pptx
@@ -3208,7 +3208,9 @@
         </p:nvSpPr>
         <p:spPr/>
         <p:txBody>
-          <a:bodyPr/>
+          <a:bodyPr>
+            <a:normAutofit/>
+          </a:bodyPr>
           <a:lstStyle/>
           <a:p>
             <a:r>
@@ -3222,6 +3224,13 @@
             <a:r>
               <a:rPr lang="en-SG" dirty="0" smtClean="0"/>
               <a:t> 15mins</a:t>
+            </a:r>
+          </a:p>
+          <a:p>
+            <a:pPr lvl="1"/>
+            <a:r>
+              <a:rPr lang="en-SG" dirty="0" smtClean="0"/>
+              <a:t>Violators will be disqualified</a:t>
             </a:r>
           </a:p>
           <a:p>
@@ -3482,14 +3491,14 @@
             <p:ph idx="1"/>
             <p:extLst>
               <p:ext uri="{D42A27DB-BD31-4B8C-83A1-F6EECF244321}">
-                <p14:modId xmlns:p14="http://schemas.microsoft.com/office/powerpoint/2010/main" val="857585900"/>
+                <p14:modId xmlns:p14="http://schemas.microsoft.com/office/powerpoint/2010/main" val="260928740"/>
               </p:ext>
             </p:extLst>
           </p:nvPr>
         </p:nvGraphicFramePr>
         <p:xfrm>
-          <a:off x="-1" y="778336"/>
-          <a:ext cx="9144002" cy="6035040"/>
+          <a:off x="-1" y="1041608"/>
+          <a:ext cx="9144002" cy="5364480"/>
         </p:xfrm>
         <a:graphic>
           <a:graphicData uri="http://schemas.openxmlformats.org/drawingml/2006/table">
@@ -3618,142 +3627,71 @@
                     <a:lstStyle/>
                     <a:p>
                       <a:pPr algn="ctr"/>
-                      <a:endParaRPr lang="en-US" sz="1400" dirty="0"/>
-                    </a:p>
-                  </a:txBody>
-                  <a:tcPr/>
-                </a:tc>
-                <a:tc>
-                  <a:txBody>
-                    <a:bodyPr/>
-                    <a:lstStyle/>
-                    <a:p>
-                      <a:pPr algn="ctr"/>
-                      <a:endParaRPr lang="en-US" sz="1400"/>
-                    </a:p>
-                  </a:txBody>
-                  <a:tcPr/>
-                </a:tc>
-                <a:tc>
-                  <a:txBody>
-                    <a:bodyPr/>
-                    <a:lstStyle/>
-                    <a:p>
-                      <a:pPr algn="ctr"/>
-                      <a:endParaRPr lang="en-US" sz="1400"/>
-                    </a:p>
-                  </a:txBody>
-                  <a:tcPr/>
-                </a:tc>
-                <a:tc>
-                  <a:txBody>
-                    <a:bodyPr/>
-                    <a:lstStyle/>
-                    <a:p>
-                      <a:pPr algn="ctr"/>
-                      <a:endParaRPr lang="en-US" sz="1400"/>
-                    </a:p>
-                  </a:txBody>
-                  <a:tcPr/>
-                </a:tc>
-                <a:tc>
-                  <a:txBody>
-                    <a:bodyPr/>
-                    <a:lstStyle/>
-                    <a:p>
-                      <a:pPr algn="ctr"/>
-                      <a:endParaRPr lang="en-US" sz="1400"/>
-                    </a:p>
-                  </a:txBody>
-                  <a:tcPr/>
-                </a:tc>
-              </a:tr>
-              <a:tr h="328037">
-                <a:tc>
-                  <a:txBody>
-                    <a:bodyPr/>
-                    <a:lstStyle/>
-                    <a:p>
-                      <a:r>
-                        <a:rPr lang="en-US" sz="1600" kern="1200" dirty="0" err="1" smtClean="0">
-                          <a:solidFill>
-                            <a:schemeClr val="dk1"/>
-                          </a:solidFill>
-                          <a:effectLst/>
-                          <a:latin typeface="+mn-lt"/>
-                          <a:ea typeface="+mn-ea"/>
-                          <a:cs typeface="+mn-cs"/>
-                        </a:rPr>
-                        <a:t>Satrughan</a:t>
-                      </a:r>
-                      <a:r>
-                        <a:rPr lang="en-US" sz="1600" kern="1200" dirty="0" smtClean="0">
-                          <a:solidFill>
-                            <a:schemeClr val="dk1"/>
-                          </a:solidFill>
-                          <a:effectLst/>
-                          <a:latin typeface="+mn-lt"/>
-                          <a:ea typeface="+mn-ea"/>
-                          <a:cs typeface="+mn-cs"/>
-                        </a:rPr>
-                        <a:t> Kumar Singh</a:t>
-                      </a:r>
-                      <a:endParaRPr lang="en-US" sz="1600" dirty="0"/>
-                    </a:p>
-                  </a:txBody>
-                  <a:tcPr/>
-                </a:tc>
-                <a:tc>
-                  <a:txBody>
-                    <a:bodyPr/>
-                    <a:lstStyle/>
-                    <a:p>
-                      <a:pPr algn="ctr"/>
-                      <a:endParaRPr lang="en-US" sz="1400" dirty="0"/>
-                    </a:p>
-                  </a:txBody>
-                  <a:tcPr/>
-                </a:tc>
-                <a:tc>
-                  <a:txBody>
-                    <a:bodyPr/>
-                    <a:lstStyle/>
-                    <a:p>
-                      <a:pPr algn="ctr"/>
-                      <a:endParaRPr lang="en-US" sz="1400" dirty="0"/>
-                    </a:p>
-                  </a:txBody>
-                  <a:tcPr/>
-                </a:tc>
-                <a:tc>
-                  <a:txBody>
-                    <a:bodyPr/>
-                    <a:lstStyle/>
-                    <a:p>
-                      <a:pPr algn="ctr"/>
-                      <a:endParaRPr lang="en-US" sz="1400"/>
-                    </a:p>
-                  </a:txBody>
-                  <a:tcPr/>
-                </a:tc>
-                <a:tc>
-                  <a:txBody>
-                    <a:bodyPr/>
-                    <a:lstStyle/>
-                    <a:p>
-                      <a:pPr algn="ctr"/>
-                      <a:endParaRPr lang="en-US" sz="1400"/>
-                    </a:p>
-                  </a:txBody>
-                  <a:tcPr/>
-                </a:tc>
-                <a:tc>
-                  <a:txBody>
-                    <a:bodyPr/>
-                    <a:lstStyle/>
-                    <a:p>
-                      <a:pPr algn="ctr"/>
-                      <a:endParaRPr lang="en-US" sz="1400"/>
+                      <a:r>
+                        <a:rPr lang="en-SG" sz="1400" b="1" dirty="0" smtClean="0"/>
+                        <a:t>1</a:t>
+                      </a:r>
+                      <a:endParaRPr lang="en-US" sz="1400" b="1" dirty="0"/>
+                    </a:p>
+                  </a:txBody>
+                  <a:tcPr/>
+                </a:tc>
+                <a:tc>
+                  <a:txBody>
+                    <a:bodyPr/>
+                    <a:lstStyle/>
+                    <a:p>
+                      <a:pPr algn="ctr"/>
+                      <a:r>
+                        <a:rPr lang="en-SG" sz="1400" b="1" dirty="0" smtClean="0"/>
+                        <a:t>3</a:t>
+                      </a:r>
+                      <a:endParaRPr lang="en-US" sz="1400" b="1" dirty="0"/>
+                    </a:p>
+                  </a:txBody>
+                  <a:tcPr/>
+                </a:tc>
+                <a:tc>
+                  <a:txBody>
+                    <a:bodyPr/>
+                    <a:lstStyle/>
+                    <a:p>
+                      <a:pPr algn="ctr"/>
+                      <a:r>
+                        <a:rPr lang="en-SG" sz="1400" b="1" dirty="0" smtClean="0"/>
+                        <a:t>1</a:t>
+                      </a:r>
+                      <a:endParaRPr lang="en-US" sz="1400" b="1" dirty="0"/>
+                    </a:p>
+                  </a:txBody>
+                  <a:tcPr/>
+                </a:tc>
+                <a:tc>
+                  <a:txBody>
+                    <a:bodyPr/>
+                    <a:lstStyle/>
+                    <a:p>
+                      <a:pPr algn="ctr"/>
+                      <a:r>
+                        <a:rPr lang="en-SG" sz="1400" b="1" dirty="0" smtClean="0"/>
+                        <a:t>1</a:t>
+                      </a:r>
+                      <a:endParaRPr lang="en-US" sz="1400" b="1" dirty="0"/>
+                    </a:p>
+                  </a:txBody>
+                  <a:tcPr/>
+                </a:tc>
+                <a:tc>
+                  <a:txBody>
+                    <a:bodyPr/>
+                    <a:lstStyle/>
+                    <a:p>
+                      <a:pPr algn="ctr"/>
+                      <a:r>
+                        <a:rPr lang="en-SG" sz="1400" b="1" dirty="0" smtClean="0"/>
+                        <a:t>1</a:t>
+                      </a:r>
+                      <a:endParaRPr lang="en-US" sz="1400" b="1" dirty="0"/>
                     </a:p>
                   </a:txBody>
                   <a:tcPr/>
@@ -3812,51 +3750,71 @@
                     <a:lstStyle/>
                     <a:p>
                       <a:pPr algn="ctr"/>
-                      <a:endParaRPr lang="en-US" sz="1400" dirty="0"/>
-                    </a:p>
-                  </a:txBody>
-                  <a:tcPr/>
-                </a:tc>
-                <a:tc>
-                  <a:txBody>
-                    <a:bodyPr/>
-                    <a:lstStyle/>
-                    <a:p>
-                      <a:pPr algn="ctr"/>
-                      <a:endParaRPr lang="en-US" sz="1400" dirty="0"/>
-                    </a:p>
-                  </a:txBody>
-                  <a:tcPr/>
-                </a:tc>
-                <a:tc>
-                  <a:txBody>
-                    <a:bodyPr/>
-                    <a:lstStyle/>
-                    <a:p>
-                      <a:pPr algn="ctr"/>
-                      <a:endParaRPr lang="en-US" sz="1400"/>
-                    </a:p>
-                  </a:txBody>
-                  <a:tcPr/>
-                </a:tc>
-                <a:tc>
-                  <a:txBody>
-                    <a:bodyPr/>
-                    <a:lstStyle/>
-                    <a:p>
-                      <a:pPr algn="ctr"/>
-                      <a:endParaRPr lang="en-US" sz="1400"/>
-                    </a:p>
-                  </a:txBody>
-                  <a:tcPr/>
-                </a:tc>
-                <a:tc>
-                  <a:txBody>
-                    <a:bodyPr/>
-                    <a:lstStyle/>
-                    <a:p>
-                      <a:pPr algn="ctr"/>
-                      <a:endParaRPr lang="en-US" sz="1400"/>
+                      <a:r>
+                        <a:rPr lang="en-SG" sz="1400" b="1" dirty="0" smtClean="0"/>
+                        <a:t>4</a:t>
+                      </a:r>
+                      <a:endParaRPr lang="en-US" sz="1400" b="1" dirty="0"/>
+                    </a:p>
+                  </a:txBody>
+                  <a:tcPr/>
+                </a:tc>
+                <a:tc>
+                  <a:txBody>
+                    <a:bodyPr/>
+                    <a:lstStyle/>
+                    <a:p>
+                      <a:pPr algn="ctr"/>
+                      <a:r>
+                        <a:rPr lang="en-SG" sz="1400" b="1" dirty="0" smtClean="0"/>
+                        <a:t>1</a:t>
+                      </a:r>
+                      <a:endParaRPr lang="en-US" sz="1400" b="1" dirty="0"/>
+                    </a:p>
+                  </a:txBody>
+                  <a:tcPr/>
+                </a:tc>
+                <a:tc>
+                  <a:txBody>
+                    <a:bodyPr/>
+                    <a:lstStyle/>
+                    <a:p>
+                      <a:pPr algn="ctr"/>
+                      <a:r>
+                        <a:rPr lang="en-SG" sz="1400" b="1" dirty="0" smtClean="0"/>
+                        <a:t>2</a:t>
+                      </a:r>
+                      <a:endParaRPr lang="en-US" sz="1400" b="1" dirty="0"/>
+                    </a:p>
+                  </a:txBody>
+                  <a:tcPr/>
+                </a:tc>
+                <a:tc>
+                  <a:txBody>
+                    <a:bodyPr/>
+                    <a:lstStyle/>
+                    <a:p>
+                      <a:pPr algn="ctr"/>
+                      <a:r>
+                        <a:rPr lang="en-SG" sz="1400" b="1" smtClean="0"/>
+                        <a:t>-</a:t>
+                      </a:r>
+                      <a:endParaRPr lang="en-US" sz="1400" b="1" dirty="0"/>
+                    </a:p>
+                  </a:txBody>
+                  <a:tcPr/>
+                </a:tc>
+                <a:tc>
+                  <a:txBody>
+                    <a:bodyPr/>
+                    <a:lstStyle/>
+                    <a:p>
+                      <a:pPr algn="ctr"/>
+                      <a:r>
+                        <a:rPr lang="en-SG" sz="1400" b="1" dirty="0" smtClean="0"/>
+                        <a:t>-</a:t>
+                      </a:r>
+                      <a:endParaRPr lang="en-US" sz="1400" b="1" dirty="0"/>
                     </a:p>
                   </a:txBody>
                   <a:tcPr/>
@@ -3868,6 +3826,18 @@
                     <a:bodyPr/>
                     <a:lstStyle/>
                     <a:p>
+                      <a:r>
+                        <a:rPr lang="en-US" sz="1600" kern="1200" dirty="0" smtClean="0">
+                          <a:solidFill>
+                            <a:schemeClr val="dk1"/>
+                          </a:solidFill>
+                          <a:effectLst/>
+                          <a:latin typeface="+mn-lt"/>
+                          <a:ea typeface="+mn-ea"/>
+                          <a:cs typeface="+mn-cs"/>
+                        </a:rPr>
+                        <a:t>Chen </a:t>
+                      </a:r>
                       <a:r>
                         <a:rPr lang="en-US" sz="1600" kern="1200" dirty="0" err="1" smtClean="0">
                           <a:solidFill>
@@ -3878,7 +3848,7 @@
                           <a:ea typeface="+mn-ea"/>
                           <a:cs typeface="+mn-cs"/>
                         </a:rPr>
-                        <a:t>Archit</a:t>
+                        <a:t>Xuan</a:t>
                       </a:r>
                       <a:r>
                         <a:rPr lang="en-US" sz="1600" kern="1200" dirty="0" smtClean="0">
@@ -3902,8 +3872,95 @@
                           <a:ea typeface="+mn-ea"/>
                           <a:cs typeface="+mn-cs"/>
                         </a:rPr>
-                        <a:t>Ajit</a:t>
-                      </a:r>
+                        <a:t>Zhong</a:t>
+                      </a:r>
+                      <a:endParaRPr lang="en-US" sz="1600" dirty="0"/>
+                    </a:p>
+                  </a:txBody>
+                  <a:tcPr/>
+                </a:tc>
+                <a:tc>
+                  <a:txBody>
+                    <a:bodyPr/>
+                    <a:lstStyle/>
+                    <a:p>
+                      <a:pPr algn="ctr"/>
+                      <a:r>
+                        <a:rPr lang="en-SG" sz="1400" b="1" dirty="0" smtClean="0"/>
+                        <a:t>2</a:t>
+                      </a:r>
+                      <a:endParaRPr lang="en-US" sz="1400" b="1" dirty="0"/>
+                    </a:p>
+                  </a:txBody>
+                  <a:tcPr/>
+                </a:tc>
+                <a:tc>
+                  <a:txBody>
+                    <a:bodyPr/>
+                    <a:lstStyle/>
+                    <a:p>
+                      <a:pPr algn="ctr"/>
+                      <a:r>
+                        <a:rPr lang="en-SG" sz="1400" b="1" dirty="0" smtClean="0"/>
+                        <a:t>-</a:t>
+                      </a:r>
+                      <a:endParaRPr lang="en-US" sz="1400" b="1" dirty="0"/>
+                    </a:p>
+                  </a:txBody>
+                  <a:tcPr/>
+                </a:tc>
+                <a:tc>
+                  <a:txBody>
+                    <a:bodyPr/>
+                    <a:lstStyle/>
+                    <a:p>
+                      <a:pPr algn="ctr"/>
+                      <a:r>
+                        <a:rPr lang="en-SG" sz="1400" b="1" dirty="0" smtClean="0"/>
+                        <a:t>-</a:t>
+                      </a:r>
+                      <a:endParaRPr lang="en-US" sz="1400" b="1" dirty="0"/>
+                    </a:p>
+                  </a:txBody>
+                  <a:tcPr/>
+                </a:tc>
+                <a:tc>
+                  <a:txBody>
+                    <a:bodyPr/>
+                    <a:lstStyle/>
+                    <a:p>
+                      <a:pPr algn="ctr"/>
+                      <a:r>
+                        <a:rPr lang="en-SG" sz="1400" b="1" dirty="0" smtClean="0"/>
+                        <a:t>-</a:t>
+                      </a:r>
+                      <a:endParaRPr lang="en-US" sz="1400" b="1" dirty="0"/>
+                    </a:p>
+                  </a:txBody>
+                  <a:tcPr/>
+                </a:tc>
+                <a:tc>
+                  <a:txBody>
+                    <a:bodyPr/>
+                    <a:lstStyle/>
+                    <a:p>
+                      <a:pPr algn="ctr"/>
+                      <a:r>
+                        <a:rPr lang="en-SG" sz="1400" b="1" dirty="0" smtClean="0"/>
+                        <a:t>-</a:t>
+                      </a:r>
+                      <a:endParaRPr lang="en-US" sz="1400" b="1" dirty="0"/>
+                    </a:p>
+                  </a:txBody>
+                  <a:tcPr/>
+                </a:tc>
+              </a:tr>
+              <a:tr h="328037">
+                <a:tc>
+                  <a:txBody>
+                    <a:bodyPr/>
+                    <a:lstStyle/>
+                    <a:p>
                       <a:r>
                         <a:rPr lang="en-US" sz="1600" kern="1200" dirty="0" smtClean="0">
                           <a:solidFill>
@@ -3914,7 +3971,7 @@
                           <a:ea typeface="+mn-ea"/>
                           <a:cs typeface="+mn-cs"/>
                         </a:rPr>
-                        <a:t> Sharma</a:t>
+                        <a:t>Ng Jun Hong Alex</a:t>
                       </a:r>
                       <a:endParaRPr lang="en-US" sz="1600" dirty="0"/>
                     </a:p>
@@ -3927,51 +3984,71 @@
                     <a:lstStyle/>
                     <a:p>
                       <a:pPr algn="ctr"/>
-                      <a:endParaRPr lang="en-US" sz="1400"/>
-                    </a:p>
-                  </a:txBody>
-                  <a:tcPr/>
-                </a:tc>
-                <a:tc>
-                  <a:txBody>
-                    <a:bodyPr/>
-                    <a:lstStyle/>
-                    <a:p>
-                      <a:pPr algn="ctr"/>
-                      <a:endParaRPr lang="en-US" sz="1400" dirty="0"/>
-                    </a:p>
-                  </a:txBody>
-                  <a:tcPr/>
-                </a:tc>
-                <a:tc>
-                  <a:txBody>
-                    <a:bodyPr/>
-                    <a:lstStyle/>
-                    <a:p>
-                      <a:pPr algn="ctr"/>
-                      <a:endParaRPr lang="en-US" sz="1400"/>
-                    </a:p>
-                  </a:txBody>
-                  <a:tcPr/>
-                </a:tc>
-                <a:tc>
-                  <a:txBody>
-                    <a:bodyPr/>
-                    <a:lstStyle/>
-                    <a:p>
-                      <a:pPr algn="ctr"/>
-                      <a:endParaRPr lang="en-US" sz="1400" dirty="0"/>
-                    </a:p>
-                  </a:txBody>
-                  <a:tcPr/>
-                </a:tc>
-                <a:tc>
-                  <a:txBody>
-                    <a:bodyPr/>
-                    <a:lstStyle/>
-                    <a:p>
-                      <a:pPr algn="ctr"/>
-                      <a:endParaRPr lang="en-US" sz="1400"/>
+                      <a:r>
+                        <a:rPr lang="en-SG" sz="1400" b="1" dirty="0" smtClean="0"/>
+                        <a:t>3</a:t>
+                      </a:r>
+                      <a:endParaRPr lang="en-US" sz="1400" b="1" dirty="0"/>
+                    </a:p>
+                  </a:txBody>
+                  <a:tcPr/>
+                </a:tc>
+                <a:tc>
+                  <a:txBody>
+                    <a:bodyPr/>
+                    <a:lstStyle/>
+                    <a:p>
+                      <a:pPr algn="ctr"/>
+                      <a:r>
+                        <a:rPr lang="en-SG" sz="1400" b="1" dirty="0" smtClean="0"/>
+                        <a:t>8</a:t>
+                      </a:r>
+                      <a:endParaRPr lang="en-US" sz="1400" b="1" dirty="0"/>
+                    </a:p>
+                  </a:txBody>
+                  <a:tcPr/>
+                </a:tc>
+                <a:tc>
+                  <a:txBody>
+                    <a:bodyPr/>
+                    <a:lstStyle/>
+                    <a:p>
+                      <a:pPr algn="ctr"/>
+                      <a:r>
+                        <a:rPr lang="en-SG" sz="1400" b="1" dirty="0" smtClean="0"/>
+                        <a:t>11</a:t>
+                      </a:r>
+                      <a:endParaRPr lang="en-US" sz="1400" b="1" dirty="0"/>
+                    </a:p>
+                  </a:txBody>
+                  <a:tcPr/>
+                </a:tc>
+                <a:tc>
+                  <a:txBody>
+                    <a:bodyPr/>
+                    <a:lstStyle/>
+                    <a:p>
+                      <a:pPr algn="ctr"/>
+                      <a:r>
+                        <a:rPr lang="en-SG" sz="1400" b="1" smtClean="0"/>
+                        <a:t>-</a:t>
+                      </a:r>
+                      <a:endParaRPr lang="en-US" sz="1400" b="1" dirty="0"/>
+                    </a:p>
+                  </a:txBody>
+                  <a:tcPr/>
+                </a:tc>
+                <a:tc>
+                  <a:txBody>
+                    <a:bodyPr/>
+                    <a:lstStyle/>
+                    <a:p>
+                      <a:pPr algn="ctr"/>
+                      <a:r>
+                        <a:rPr lang="en-SG" sz="1400" b="1" smtClean="0"/>
+                        <a:t>-</a:t>
+                      </a:r>
+                      <a:endParaRPr lang="en-US" sz="1400" b="1" dirty="0"/>
                     </a:p>
                   </a:txBody>
                   <a:tcPr/>
@@ -3983,6 +4060,113 @@
                     <a:bodyPr/>
                     <a:lstStyle/>
                     <a:p>
+                      <a:r>
+                        <a:rPr lang="en-SG" sz="1600" dirty="0" smtClean="0"/>
+                        <a:t>Chan </a:t>
+                      </a:r>
+                      <a:r>
+                        <a:rPr lang="en-SG" sz="1600" dirty="0" err="1" smtClean="0"/>
+                        <a:t>Weitian</a:t>
+                      </a:r>
+                      <a:endParaRPr lang="en-US" sz="1600" dirty="0"/>
+                    </a:p>
+                  </a:txBody>
+                  <a:tcPr/>
+                </a:tc>
+                <a:tc>
+                  <a:txBody>
+                    <a:bodyPr/>
+                    <a:lstStyle/>
+                    <a:p>
+                      <a:pPr algn="ctr"/>
+                      <a:r>
+                        <a:rPr lang="en-SG" sz="1400" b="1" dirty="0" smtClean="0"/>
+                        <a:t>11</a:t>
+                      </a:r>
+                      <a:endParaRPr lang="en-US" sz="1400" b="1" dirty="0"/>
+                    </a:p>
+                  </a:txBody>
+                  <a:tcPr/>
+                </a:tc>
+                <a:tc>
+                  <a:txBody>
+                    <a:bodyPr/>
+                    <a:lstStyle/>
+                    <a:p>
+                      <a:pPr algn="ctr"/>
+                      <a:r>
+                        <a:rPr lang="en-SG" sz="1400" b="1" dirty="0" smtClean="0"/>
+                        <a:t>7</a:t>
+                      </a:r>
+                      <a:endParaRPr lang="en-US" sz="1400" b="1" dirty="0"/>
+                    </a:p>
+                  </a:txBody>
+                  <a:tcPr/>
+                </a:tc>
+                <a:tc>
+                  <a:txBody>
+                    <a:bodyPr/>
+                    <a:lstStyle/>
+                    <a:p>
+                      <a:pPr algn="ctr"/>
+                      <a:r>
+                        <a:rPr lang="en-SG" sz="1400" b="1" dirty="0" smtClean="0"/>
+                        <a:t>7</a:t>
+                      </a:r>
+                      <a:endParaRPr lang="en-US" sz="1400" b="1" dirty="0"/>
+                    </a:p>
+                  </a:txBody>
+                  <a:tcPr/>
+                </a:tc>
+                <a:tc>
+                  <a:txBody>
+                    <a:bodyPr/>
+                    <a:lstStyle/>
+                    <a:p>
+                      <a:pPr algn="ctr"/>
+                      <a:r>
+                        <a:rPr lang="en-SG" sz="1400" b="1" smtClean="0"/>
+                        <a:t>-</a:t>
+                      </a:r>
+                      <a:endParaRPr lang="en-US" sz="1400" b="1" dirty="0"/>
+                    </a:p>
+                  </a:txBody>
+                  <a:tcPr/>
+                </a:tc>
+                <a:tc>
+                  <a:txBody>
+                    <a:bodyPr/>
+                    <a:lstStyle/>
+                    <a:p>
+                      <a:pPr algn="ctr"/>
+                      <a:r>
+                        <a:rPr lang="en-SG" sz="1400" b="1" smtClean="0"/>
+                        <a:t>-</a:t>
+                      </a:r>
+                      <a:endParaRPr lang="en-US" sz="1400" b="1" dirty="0"/>
+                    </a:p>
+                  </a:txBody>
+                  <a:tcPr/>
+                </a:tc>
+              </a:tr>
+              <a:tr h="328037">
+                <a:tc>
+                  <a:txBody>
+                    <a:bodyPr/>
+                    <a:lstStyle/>
+                    <a:p>
+                      <a:r>
+                        <a:rPr lang="en-US" sz="1600" kern="1200" dirty="0" smtClean="0">
+                          <a:solidFill>
+                            <a:schemeClr val="dk1"/>
+                          </a:solidFill>
+                          <a:effectLst/>
+                          <a:latin typeface="+mn-lt"/>
+                          <a:ea typeface="+mn-ea"/>
+                          <a:cs typeface="+mn-cs"/>
+                        </a:rPr>
+                        <a:t>Suresh </a:t>
+                      </a:r>
                       <a:r>
                         <a:rPr lang="en-US" sz="1600" kern="1200" dirty="0" err="1" smtClean="0">
                           <a:solidFill>
@@ -3993,7 +4177,205 @@
                           <a:ea typeface="+mn-ea"/>
                           <a:cs typeface="+mn-cs"/>
                         </a:rPr>
-                        <a:t>Pyae</a:t>
+                        <a:t>Subramaniam</a:t>
+                      </a:r>
+                      <a:endParaRPr lang="en-US" sz="1600" dirty="0"/>
+                    </a:p>
+                  </a:txBody>
+                  <a:tcPr/>
+                </a:tc>
+                <a:tc>
+                  <a:txBody>
+                    <a:bodyPr/>
+                    <a:lstStyle/>
+                    <a:p>
+                      <a:pPr algn="ctr"/>
+                      <a:r>
+                        <a:rPr lang="en-SG" sz="1400" b="1" dirty="0" smtClean="0"/>
+                        <a:t>13</a:t>
+                      </a:r>
+                      <a:endParaRPr lang="en-US" sz="1400" b="1" dirty="0"/>
+                    </a:p>
+                  </a:txBody>
+                  <a:tcPr/>
+                </a:tc>
+                <a:tc>
+                  <a:txBody>
+                    <a:bodyPr/>
+                    <a:lstStyle/>
+                    <a:p>
+                      <a:pPr algn="ctr"/>
+                      <a:r>
+                        <a:rPr lang="en-SG" sz="1400" b="1" dirty="0" smtClean="0"/>
+                        <a:t>10</a:t>
+                      </a:r>
+                      <a:endParaRPr lang="en-US" sz="1400" b="1" dirty="0"/>
+                    </a:p>
+                  </a:txBody>
+                  <a:tcPr/>
+                </a:tc>
+                <a:tc>
+                  <a:txBody>
+                    <a:bodyPr/>
+                    <a:lstStyle/>
+                    <a:p>
+                      <a:pPr algn="ctr"/>
+                      <a:r>
+                        <a:rPr lang="en-SG" sz="1400" b="1" dirty="0" smtClean="0"/>
+                        <a:t>9</a:t>
+                      </a:r>
+                      <a:endParaRPr lang="en-US" sz="1400" b="1" dirty="0"/>
+                    </a:p>
+                  </a:txBody>
+                  <a:tcPr/>
+                </a:tc>
+                <a:tc>
+                  <a:txBody>
+                    <a:bodyPr/>
+                    <a:lstStyle/>
+                    <a:p>
+                      <a:pPr algn="ctr"/>
+                      <a:r>
+                        <a:rPr lang="en-SG" sz="1400" b="1" smtClean="0"/>
+                        <a:t>-</a:t>
+                      </a:r>
+                      <a:endParaRPr lang="en-US" sz="1400" b="1" dirty="0"/>
+                    </a:p>
+                  </a:txBody>
+                  <a:tcPr/>
+                </a:tc>
+                <a:tc>
+                  <a:txBody>
+                    <a:bodyPr/>
+                    <a:lstStyle/>
+                    <a:p>
+                      <a:pPr algn="ctr"/>
+                      <a:r>
+                        <a:rPr lang="en-SG" sz="1400" b="1" dirty="0" smtClean="0"/>
+                        <a:t>-</a:t>
+                      </a:r>
+                      <a:endParaRPr lang="en-US" sz="1400" b="1" dirty="0"/>
+                    </a:p>
+                  </a:txBody>
+                  <a:tcPr/>
+                </a:tc>
+              </a:tr>
+              <a:tr h="328037">
+                <a:tc>
+                  <a:txBody>
+                    <a:bodyPr/>
+                    <a:lstStyle/>
+                    <a:p>
+                      <a:r>
+                        <a:rPr lang="en-US" sz="1600" kern="1200" dirty="0" smtClean="0">
+                          <a:solidFill>
+                            <a:schemeClr val="dk1"/>
+                          </a:solidFill>
+                          <a:effectLst/>
+                          <a:latin typeface="+mn-lt"/>
+                          <a:ea typeface="+mn-ea"/>
+                          <a:cs typeface="+mn-cs"/>
+                        </a:rPr>
+                        <a:t>Goh Koon Hui Geoffrey</a:t>
+                      </a:r>
+                      <a:endParaRPr lang="en-US" sz="1600" dirty="0"/>
+                    </a:p>
+                  </a:txBody>
+                  <a:tcPr/>
+                </a:tc>
+                <a:tc>
+                  <a:txBody>
+                    <a:bodyPr/>
+                    <a:lstStyle/>
+                    <a:p>
+                      <a:pPr algn="ctr"/>
+                      <a:r>
+                        <a:rPr lang="en-SG" sz="1400" b="1" dirty="0" smtClean="0"/>
+                        <a:t>5</a:t>
+                      </a:r>
+                      <a:endParaRPr lang="en-US" sz="1400" b="1" dirty="0"/>
+                    </a:p>
+                  </a:txBody>
+                  <a:tcPr/>
+                </a:tc>
+                <a:tc>
+                  <a:txBody>
+                    <a:bodyPr/>
+                    <a:lstStyle/>
+                    <a:p>
+                      <a:pPr algn="ctr"/>
+                      <a:r>
+                        <a:rPr lang="en-SG" sz="1400" b="1" dirty="0" smtClean="0"/>
+                        <a:t>2</a:t>
+                      </a:r>
+                      <a:endParaRPr lang="en-US" sz="1400" b="1" dirty="0"/>
+                    </a:p>
+                  </a:txBody>
+                  <a:tcPr/>
+                </a:tc>
+                <a:tc>
+                  <a:txBody>
+                    <a:bodyPr/>
+                    <a:lstStyle/>
+                    <a:p>
+                      <a:pPr algn="ctr"/>
+                      <a:r>
+                        <a:rPr lang="en-SG" sz="1400" b="1" dirty="0" smtClean="0"/>
+                        <a:t>5</a:t>
+                      </a:r>
+                      <a:endParaRPr lang="en-US" sz="1400" b="1" dirty="0"/>
+                    </a:p>
+                  </a:txBody>
+                  <a:tcPr/>
+                </a:tc>
+                <a:tc>
+                  <a:txBody>
+                    <a:bodyPr/>
+                    <a:lstStyle/>
+                    <a:p>
+                      <a:pPr algn="ctr"/>
+                      <a:r>
+                        <a:rPr lang="en-SG" sz="1400" b="1" dirty="0" smtClean="0"/>
+                        <a:t>2</a:t>
+                      </a:r>
+                      <a:endParaRPr lang="en-US" sz="1400" b="1" dirty="0"/>
+                    </a:p>
+                  </a:txBody>
+                  <a:tcPr/>
+                </a:tc>
+                <a:tc>
+                  <a:txBody>
+                    <a:bodyPr/>
+                    <a:lstStyle/>
+                    <a:p>
+                      <a:pPr algn="ctr"/>
+                      <a:r>
+                        <a:rPr lang="en-SG" sz="1400" b="1" dirty="0" smtClean="0"/>
+                        <a:t>2</a:t>
+                      </a:r>
+                      <a:endParaRPr lang="en-US" sz="1400" b="1" dirty="0"/>
+                    </a:p>
+                  </a:txBody>
+                  <a:tcPr/>
+                </a:tc>
+              </a:tr>
+              <a:tr h="328037">
+                <a:tc>
+                  <a:txBody>
+                    <a:bodyPr/>
+                    <a:lstStyle/>
+                    <a:p>
+                      <a:r>
+                        <a:rPr lang="en-US" sz="1600" kern="1200" dirty="0" err="1" smtClean="0">
+                          <a:solidFill>
+                            <a:schemeClr val="dk1"/>
+                          </a:solidFill>
+                          <a:effectLst/>
+                          <a:latin typeface="+mn-lt"/>
+                          <a:ea typeface="+mn-ea"/>
+                          <a:cs typeface="+mn-cs"/>
+                        </a:rPr>
+                        <a:t>Ler</a:t>
                       </a:r>
                       <a:r>
                         <a:rPr lang="en-US" sz="1600" kern="1200" dirty="0" smtClean="0">
@@ -4017,7 +4399,217 @@
                           <a:ea typeface="+mn-ea"/>
                           <a:cs typeface="+mn-cs"/>
                         </a:rPr>
-                        <a:t>Sone</a:t>
+                        <a:t>Ze</a:t>
+                      </a:r>
+                      <a:r>
+                        <a:rPr lang="en-US" sz="1600" kern="1200" dirty="0" smtClean="0">
+                          <a:solidFill>
+                            <a:schemeClr val="dk1"/>
+                          </a:solidFill>
+                          <a:effectLst/>
+                          <a:latin typeface="+mn-lt"/>
+                          <a:ea typeface="+mn-ea"/>
+                          <a:cs typeface="+mn-cs"/>
+                        </a:rPr>
+                        <a:t> Chen</a:t>
+                      </a:r>
+                      <a:endParaRPr lang="en-US" sz="1600" dirty="0"/>
+                    </a:p>
+                  </a:txBody>
+                  <a:tcPr/>
+                </a:tc>
+                <a:tc>
+                  <a:txBody>
+                    <a:bodyPr/>
+                    <a:lstStyle/>
+                    <a:p>
+                      <a:pPr algn="ctr"/>
+                      <a:r>
+                        <a:rPr lang="en-SG" sz="1400" b="1" dirty="0" smtClean="0"/>
+                        <a:t>6</a:t>
+                      </a:r>
+                      <a:endParaRPr lang="en-US" sz="1400" b="1" dirty="0"/>
+                    </a:p>
+                  </a:txBody>
+                  <a:tcPr/>
+                </a:tc>
+                <a:tc>
+                  <a:txBody>
+                    <a:bodyPr/>
+                    <a:lstStyle/>
+                    <a:p>
+                      <a:pPr algn="ctr"/>
+                      <a:r>
+                        <a:rPr lang="en-SG" sz="1400" b="1" dirty="0" smtClean="0"/>
+                        <a:t>6</a:t>
+                      </a:r>
+                      <a:endParaRPr lang="en-US" sz="1400" b="1" dirty="0"/>
+                    </a:p>
+                  </a:txBody>
+                  <a:tcPr/>
+                </a:tc>
+                <a:tc>
+                  <a:txBody>
+                    <a:bodyPr/>
+                    <a:lstStyle/>
+                    <a:p>
+                      <a:pPr algn="ctr"/>
+                      <a:r>
+                        <a:rPr lang="en-SG" sz="1400" b="1" dirty="0" smtClean="0"/>
+                        <a:t>8</a:t>
+                      </a:r>
+                      <a:endParaRPr lang="en-US" sz="1400" b="1" dirty="0"/>
+                    </a:p>
+                  </a:txBody>
+                  <a:tcPr/>
+                </a:tc>
+                <a:tc>
+                  <a:txBody>
+                    <a:bodyPr/>
+                    <a:lstStyle/>
+                    <a:p>
+                      <a:pPr algn="ctr"/>
+                      <a:r>
+                        <a:rPr lang="en-SG" sz="1400" b="1" smtClean="0"/>
+                        <a:t>-</a:t>
+                      </a:r>
+                      <a:endParaRPr lang="en-US" sz="1400" b="1" dirty="0"/>
+                    </a:p>
+                  </a:txBody>
+                  <a:tcPr/>
+                </a:tc>
+                <a:tc>
+                  <a:txBody>
+                    <a:bodyPr/>
+                    <a:lstStyle/>
+                    <a:p>
+                      <a:pPr algn="ctr"/>
+                      <a:r>
+                        <a:rPr lang="en-SG" sz="1400" b="1" smtClean="0"/>
+                        <a:t>-</a:t>
+                      </a:r>
+                      <a:endParaRPr lang="en-US" sz="1400" b="1" dirty="0"/>
+                    </a:p>
+                  </a:txBody>
+                  <a:tcPr/>
+                </a:tc>
+              </a:tr>
+              <a:tr h="328037">
+                <a:tc>
+                  <a:txBody>
+                    <a:bodyPr/>
+                    <a:lstStyle/>
+                    <a:p>
+                      <a:r>
+                        <a:rPr lang="en-US" sz="1600" kern="1200" dirty="0" smtClean="0">
+                          <a:solidFill>
+                            <a:schemeClr val="dk1"/>
+                          </a:solidFill>
+                          <a:effectLst/>
+                          <a:latin typeface="+mn-lt"/>
+                          <a:ea typeface="+mn-ea"/>
+                          <a:cs typeface="+mn-cs"/>
+                        </a:rPr>
+                        <a:t>Tee An Ting</a:t>
+                      </a:r>
+                      <a:endParaRPr lang="en-US" sz="1600" dirty="0"/>
+                    </a:p>
+                  </a:txBody>
+                  <a:tcPr/>
+                </a:tc>
+                <a:tc>
+                  <a:txBody>
+                    <a:bodyPr/>
+                    <a:lstStyle/>
+                    <a:p>
+                      <a:pPr algn="ctr"/>
+                      <a:r>
+                        <a:rPr lang="en-SG" sz="1400" b="1" dirty="0" smtClean="0"/>
+                        <a:t>14</a:t>
+                      </a:r>
+                      <a:endParaRPr lang="en-US" sz="1400" b="1" dirty="0"/>
+                    </a:p>
+                  </a:txBody>
+                  <a:tcPr/>
+                </a:tc>
+                <a:tc>
+                  <a:txBody>
+                    <a:bodyPr/>
+                    <a:lstStyle/>
+                    <a:p>
+                      <a:pPr algn="ctr"/>
+                      <a:r>
+                        <a:rPr lang="en-SG" sz="1400" b="1" dirty="0" smtClean="0"/>
+                        <a:t>-</a:t>
+                      </a:r>
+                      <a:endParaRPr lang="en-US" sz="1400" b="1" dirty="0"/>
+                    </a:p>
+                  </a:txBody>
+                  <a:tcPr/>
+                </a:tc>
+                <a:tc>
+                  <a:txBody>
+                    <a:bodyPr/>
+                    <a:lstStyle/>
+                    <a:p>
+                      <a:pPr algn="ctr"/>
+                      <a:r>
+                        <a:rPr lang="en-SG" sz="1400" b="1" dirty="0" smtClean="0"/>
+                        <a:t>-</a:t>
+                      </a:r>
+                      <a:endParaRPr lang="en-US" sz="1400" b="1" dirty="0"/>
+                    </a:p>
+                  </a:txBody>
+                  <a:tcPr/>
+                </a:tc>
+                <a:tc>
+                  <a:txBody>
+                    <a:bodyPr/>
+                    <a:lstStyle/>
+                    <a:p>
+                      <a:pPr algn="ctr"/>
+                      <a:r>
+                        <a:rPr lang="en-SG" sz="1400" b="1" smtClean="0"/>
+                        <a:t>-</a:t>
+                      </a:r>
+                      <a:endParaRPr lang="en-US" sz="1400" b="1" dirty="0"/>
+                    </a:p>
+                  </a:txBody>
+                  <a:tcPr/>
+                </a:tc>
+                <a:tc>
+                  <a:txBody>
+                    <a:bodyPr/>
+                    <a:lstStyle/>
+                    <a:p>
+                      <a:pPr algn="ctr"/>
+                      <a:r>
+                        <a:rPr lang="en-SG" sz="1400" b="1" smtClean="0"/>
+                        <a:t>-</a:t>
+                      </a:r>
+                      <a:endParaRPr lang="en-US" sz="1400" b="1" dirty="0"/>
+                    </a:p>
+                  </a:txBody>
+                  <a:tcPr/>
+                </a:tc>
+              </a:tr>
+              <a:tr h="328037">
+                <a:tc>
+                  <a:txBody>
+                    <a:bodyPr/>
+                    <a:lstStyle/>
+                    <a:p>
+                      <a:r>
+                        <a:rPr lang="en-US" sz="1600" kern="1200" dirty="0" err="1" smtClean="0">
+                          <a:solidFill>
+                            <a:schemeClr val="dk1"/>
+                          </a:solidFill>
+                          <a:effectLst/>
+                          <a:latin typeface="+mn-lt"/>
+                          <a:ea typeface="+mn-ea"/>
+                          <a:cs typeface="+mn-cs"/>
+                        </a:rPr>
+                        <a:t>Akshat</a:t>
                       </a:r>
                       <a:r>
                         <a:rPr lang="en-US" sz="1600" kern="1200" dirty="0" smtClean="0">
@@ -4041,31 +4633,7 @@
                           <a:ea typeface="+mn-ea"/>
                           <a:cs typeface="+mn-cs"/>
                         </a:rPr>
-                        <a:t>Maung</a:t>
-                      </a:r>
-                      <a:r>
-                        <a:rPr lang="en-US" sz="1600" kern="1200" dirty="0" smtClean="0">
-                          <a:solidFill>
-                            <a:schemeClr val="dk1"/>
-                          </a:solidFill>
-                          <a:effectLst/>
-                          <a:latin typeface="+mn-lt"/>
-                          <a:ea typeface="+mn-ea"/>
-                          <a:cs typeface="+mn-cs"/>
-                        </a:rPr>
-                        <a:t> </a:t>
-                      </a:r>
-                      <a:r>
-                        <a:rPr lang="en-US" sz="1600" kern="1200" dirty="0" err="1" smtClean="0">
-                          <a:solidFill>
-                            <a:schemeClr val="dk1"/>
-                          </a:solidFill>
-                          <a:effectLst/>
-                          <a:latin typeface="+mn-lt"/>
-                          <a:ea typeface="+mn-ea"/>
-                          <a:cs typeface="+mn-cs"/>
-                        </a:rPr>
-                        <a:t>Maung</a:t>
+                        <a:t>Agarwal</a:t>
                       </a:r>
                       <a:endParaRPr lang="en-US" sz="1600" dirty="0"/>
                     </a:p>
@@ -4078,890 +4646,71 @@
                     <a:lstStyle/>
                     <a:p>
                       <a:pPr algn="ctr"/>
-                      <a:endParaRPr lang="en-US" sz="1400"/>
-                    </a:p>
-                  </a:txBody>
-                  <a:tcPr/>
-                </a:tc>
-                <a:tc>
-                  <a:txBody>
-                    <a:bodyPr/>
-                    <a:lstStyle/>
-                    <a:p>
-                      <a:pPr algn="ctr"/>
-                      <a:endParaRPr lang="en-US" sz="1400"/>
-                    </a:p>
-                  </a:txBody>
-                  <a:tcPr/>
-                </a:tc>
-                <a:tc>
-                  <a:txBody>
-                    <a:bodyPr/>
-                    <a:lstStyle/>
-                    <a:p>
-                      <a:pPr algn="ctr"/>
-                      <a:endParaRPr lang="en-US" sz="1400" dirty="0"/>
-                    </a:p>
-                  </a:txBody>
-                  <a:tcPr/>
-                </a:tc>
-                <a:tc>
-                  <a:txBody>
-                    <a:bodyPr/>
-                    <a:lstStyle/>
-                    <a:p>
-                      <a:pPr algn="ctr"/>
-                      <a:endParaRPr lang="en-US" sz="1400"/>
-                    </a:p>
-                  </a:txBody>
-                  <a:tcPr/>
-                </a:tc>
-                <a:tc>
-                  <a:txBody>
-                    <a:bodyPr/>
-                    <a:lstStyle/>
-                    <a:p>
-                      <a:pPr algn="ctr"/>
-                      <a:endParaRPr lang="en-US" sz="1400" dirty="0"/>
-                    </a:p>
-                  </a:txBody>
-                  <a:tcPr/>
-                </a:tc>
-              </a:tr>
-              <a:tr h="328037">
-                <a:tc>
-                  <a:txBody>
-                    <a:bodyPr/>
-                    <a:lstStyle/>
-                    <a:p>
-                      <a:r>
-                        <a:rPr lang="en-US" sz="1600" kern="1200" dirty="0" smtClean="0">
-                          <a:solidFill>
-                            <a:schemeClr val="dk1"/>
-                          </a:solidFill>
-                          <a:effectLst/>
-                          <a:latin typeface="+mn-lt"/>
-                          <a:ea typeface="+mn-ea"/>
-                          <a:cs typeface="+mn-cs"/>
-                        </a:rPr>
-                        <a:t>Chen </a:t>
-                      </a:r>
-                      <a:r>
-                        <a:rPr lang="en-US" sz="1600" kern="1200" dirty="0" err="1" smtClean="0">
-                          <a:solidFill>
-                            <a:schemeClr val="dk1"/>
-                          </a:solidFill>
-                          <a:effectLst/>
-                          <a:latin typeface="+mn-lt"/>
-                          <a:ea typeface="+mn-ea"/>
-                          <a:cs typeface="+mn-cs"/>
-                        </a:rPr>
-                        <a:t>Xuan</a:t>
-                      </a:r>
-                      <a:r>
-                        <a:rPr lang="en-US" sz="1600" kern="1200" dirty="0" smtClean="0">
-                          <a:solidFill>
-                            <a:schemeClr val="dk1"/>
-                          </a:solidFill>
-                          <a:effectLst/>
-                          <a:latin typeface="+mn-lt"/>
-                          <a:ea typeface="+mn-ea"/>
-                          <a:cs typeface="+mn-cs"/>
-                        </a:rPr>
-                        <a:t> </a:t>
-                      </a:r>
-                      <a:r>
-                        <a:rPr lang="en-US" sz="1600" kern="1200" dirty="0" err="1" smtClean="0">
-                          <a:solidFill>
-                            <a:schemeClr val="dk1"/>
-                          </a:solidFill>
-                          <a:effectLst/>
-                          <a:latin typeface="+mn-lt"/>
-                          <a:ea typeface="+mn-ea"/>
-                          <a:cs typeface="+mn-cs"/>
-                        </a:rPr>
-                        <a:t>Zhong</a:t>
-                      </a:r>
-                      <a:endParaRPr lang="en-US" sz="1600" dirty="0"/>
-                    </a:p>
-                  </a:txBody>
-                  <a:tcPr/>
-                </a:tc>
-                <a:tc>
-                  <a:txBody>
-                    <a:bodyPr/>
-                    <a:lstStyle/>
-                    <a:p>
-                      <a:pPr algn="ctr"/>
-                      <a:endParaRPr lang="en-US" sz="1400" dirty="0"/>
-                    </a:p>
-                  </a:txBody>
-                  <a:tcPr/>
-                </a:tc>
-                <a:tc>
-                  <a:txBody>
-                    <a:bodyPr/>
-                    <a:lstStyle/>
-                    <a:p>
-                      <a:pPr algn="ctr"/>
-                      <a:endParaRPr lang="en-US" sz="1400"/>
-                    </a:p>
-                  </a:txBody>
-                  <a:tcPr/>
-                </a:tc>
-                <a:tc>
-                  <a:txBody>
-                    <a:bodyPr/>
-                    <a:lstStyle/>
-                    <a:p>
-                      <a:pPr algn="ctr"/>
-                      <a:endParaRPr lang="en-US" sz="1400" dirty="0"/>
-                    </a:p>
-                  </a:txBody>
-                  <a:tcPr/>
-                </a:tc>
-                <a:tc>
-                  <a:txBody>
-                    <a:bodyPr/>
-                    <a:lstStyle/>
-                    <a:p>
-                      <a:pPr algn="ctr"/>
-                      <a:endParaRPr lang="en-US" sz="1400"/>
-                    </a:p>
-                  </a:txBody>
-                  <a:tcPr/>
-                </a:tc>
-                <a:tc>
-                  <a:txBody>
-                    <a:bodyPr/>
-                    <a:lstStyle/>
-                    <a:p>
-                      <a:pPr algn="ctr"/>
-                      <a:endParaRPr lang="en-US" sz="1400" dirty="0"/>
-                    </a:p>
-                  </a:txBody>
-                  <a:tcPr/>
-                </a:tc>
-              </a:tr>
-              <a:tr h="328037">
-                <a:tc>
-                  <a:txBody>
-                    <a:bodyPr/>
-                    <a:lstStyle/>
-                    <a:p>
-                      <a:r>
-                        <a:rPr lang="en-US" sz="1600" kern="1200" dirty="0" smtClean="0">
-                          <a:solidFill>
-                            <a:schemeClr val="dk1"/>
-                          </a:solidFill>
-                          <a:effectLst/>
-                          <a:latin typeface="+mn-lt"/>
-                          <a:ea typeface="+mn-ea"/>
-                          <a:cs typeface="+mn-cs"/>
-                        </a:rPr>
-                        <a:t>Ng Jun Hong Alex</a:t>
-                      </a:r>
-                      <a:endParaRPr lang="en-US" sz="1600" dirty="0"/>
-                    </a:p>
-                  </a:txBody>
-                  <a:tcPr/>
-                </a:tc>
-                <a:tc>
-                  <a:txBody>
-                    <a:bodyPr/>
-                    <a:lstStyle/>
-                    <a:p>
-                      <a:pPr algn="ctr"/>
-                      <a:endParaRPr lang="en-US" sz="1400"/>
-                    </a:p>
-                  </a:txBody>
-                  <a:tcPr/>
-                </a:tc>
-                <a:tc>
-                  <a:txBody>
-                    <a:bodyPr/>
-                    <a:lstStyle/>
-                    <a:p>
-                      <a:pPr algn="ctr"/>
-                      <a:endParaRPr lang="en-US" sz="1400"/>
-                    </a:p>
-                  </a:txBody>
-                  <a:tcPr/>
-                </a:tc>
-                <a:tc>
-                  <a:txBody>
-                    <a:bodyPr/>
-                    <a:lstStyle/>
-                    <a:p>
-                      <a:pPr algn="ctr"/>
-                      <a:endParaRPr lang="en-US" sz="1400" dirty="0"/>
-                    </a:p>
-                  </a:txBody>
-                  <a:tcPr/>
-                </a:tc>
-                <a:tc>
-                  <a:txBody>
-                    <a:bodyPr/>
-                    <a:lstStyle/>
-                    <a:p>
-                      <a:pPr algn="ctr"/>
-                      <a:endParaRPr lang="en-US" sz="1400"/>
-                    </a:p>
-                  </a:txBody>
-                  <a:tcPr/>
-                </a:tc>
-                <a:tc>
-                  <a:txBody>
-                    <a:bodyPr/>
-                    <a:lstStyle/>
-                    <a:p>
-                      <a:pPr algn="ctr"/>
-                      <a:endParaRPr lang="en-US" sz="1400" dirty="0"/>
-                    </a:p>
-                  </a:txBody>
-                  <a:tcPr/>
-                </a:tc>
-              </a:tr>
-              <a:tr h="328037">
-                <a:tc>
-                  <a:txBody>
-                    <a:bodyPr/>
-                    <a:lstStyle/>
-                    <a:p>
-                      <a:r>
-                        <a:rPr lang="en-SG" sz="1600" dirty="0" smtClean="0"/>
-                        <a:t>Chan </a:t>
-                      </a:r>
-                      <a:r>
-                        <a:rPr lang="en-SG" sz="1600" dirty="0" err="1" smtClean="0"/>
-                        <a:t>Weitian</a:t>
-                      </a:r>
-                      <a:endParaRPr lang="en-US" sz="1600" dirty="0"/>
-                    </a:p>
-                  </a:txBody>
-                  <a:tcPr/>
-                </a:tc>
-                <a:tc>
-                  <a:txBody>
-                    <a:bodyPr/>
-                    <a:lstStyle/>
-                    <a:p>
-                      <a:pPr algn="ctr"/>
-                      <a:endParaRPr lang="en-US" sz="1400"/>
-                    </a:p>
-                  </a:txBody>
-                  <a:tcPr/>
-                </a:tc>
-                <a:tc>
-                  <a:txBody>
-                    <a:bodyPr/>
-                    <a:lstStyle/>
-                    <a:p>
-                      <a:pPr algn="ctr"/>
-                      <a:endParaRPr lang="en-US" sz="1400"/>
-                    </a:p>
-                  </a:txBody>
-                  <a:tcPr/>
-                </a:tc>
-                <a:tc>
-                  <a:txBody>
-                    <a:bodyPr/>
-                    <a:lstStyle/>
-                    <a:p>
-                      <a:pPr algn="ctr"/>
-                      <a:endParaRPr lang="en-US" sz="1400" dirty="0"/>
-                    </a:p>
-                  </a:txBody>
-                  <a:tcPr/>
-                </a:tc>
-                <a:tc>
-                  <a:txBody>
-                    <a:bodyPr/>
-                    <a:lstStyle/>
-                    <a:p>
-                      <a:pPr algn="ctr"/>
-                      <a:endParaRPr lang="en-US" sz="1400"/>
-                    </a:p>
-                  </a:txBody>
-                  <a:tcPr/>
-                </a:tc>
-                <a:tc>
-                  <a:txBody>
-                    <a:bodyPr/>
-                    <a:lstStyle/>
-                    <a:p>
-                      <a:pPr algn="ctr"/>
-                      <a:endParaRPr lang="en-US" sz="1400" dirty="0"/>
-                    </a:p>
-                  </a:txBody>
-                  <a:tcPr/>
-                </a:tc>
-              </a:tr>
-              <a:tr h="328037">
-                <a:tc>
-                  <a:txBody>
-                    <a:bodyPr/>
-                    <a:lstStyle/>
-                    <a:p>
-                      <a:r>
-                        <a:rPr lang="en-US" sz="1600" kern="1200" dirty="0" smtClean="0">
-                          <a:solidFill>
-                            <a:schemeClr val="dk1"/>
-                          </a:solidFill>
-                          <a:effectLst/>
-                          <a:latin typeface="+mn-lt"/>
-                          <a:ea typeface="+mn-ea"/>
-                          <a:cs typeface="+mn-cs"/>
-                        </a:rPr>
-                        <a:t>Suresh </a:t>
-                      </a:r>
-                      <a:r>
-                        <a:rPr lang="en-US" sz="1600" kern="1200" dirty="0" err="1" smtClean="0">
-                          <a:solidFill>
-                            <a:schemeClr val="dk1"/>
-                          </a:solidFill>
-                          <a:effectLst/>
-                          <a:latin typeface="+mn-lt"/>
-                          <a:ea typeface="+mn-ea"/>
-                          <a:cs typeface="+mn-cs"/>
-                        </a:rPr>
-                        <a:t>Subramaniam</a:t>
-                      </a:r>
-                      <a:endParaRPr lang="en-US" sz="1600" dirty="0"/>
-                    </a:p>
-                  </a:txBody>
-                  <a:tcPr/>
-                </a:tc>
-                <a:tc>
-                  <a:txBody>
-                    <a:bodyPr/>
-                    <a:lstStyle/>
-                    <a:p>
-                      <a:pPr algn="ctr"/>
-                      <a:endParaRPr lang="en-US" sz="1400" dirty="0"/>
-                    </a:p>
-                  </a:txBody>
-                  <a:tcPr/>
-                </a:tc>
-                <a:tc>
-                  <a:txBody>
-                    <a:bodyPr/>
-                    <a:lstStyle/>
-                    <a:p>
-                      <a:pPr algn="ctr"/>
-                      <a:endParaRPr lang="en-US" sz="1400"/>
-                    </a:p>
-                  </a:txBody>
-                  <a:tcPr/>
-                </a:tc>
-                <a:tc>
-                  <a:txBody>
-                    <a:bodyPr/>
-                    <a:lstStyle/>
-                    <a:p>
-                      <a:pPr algn="ctr"/>
-                      <a:endParaRPr lang="en-US" sz="1400"/>
-                    </a:p>
-                  </a:txBody>
-                  <a:tcPr/>
-                </a:tc>
-                <a:tc>
-                  <a:txBody>
-                    <a:bodyPr/>
-                    <a:lstStyle/>
-                    <a:p>
-                      <a:pPr algn="ctr"/>
-                      <a:endParaRPr lang="en-US" sz="1400" dirty="0"/>
-                    </a:p>
-                  </a:txBody>
-                  <a:tcPr/>
-                </a:tc>
-                <a:tc>
-                  <a:txBody>
-                    <a:bodyPr/>
-                    <a:lstStyle/>
-                    <a:p>
-                      <a:pPr algn="ctr"/>
-                      <a:endParaRPr lang="en-US" sz="1400" dirty="0"/>
-                    </a:p>
-                  </a:txBody>
-                  <a:tcPr/>
-                </a:tc>
-              </a:tr>
-              <a:tr h="328037">
-                <a:tc>
-                  <a:txBody>
-                    <a:bodyPr/>
-                    <a:lstStyle/>
-                    <a:p>
-                      <a:r>
-                        <a:rPr lang="en-US" sz="1600" kern="1200" dirty="0" smtClean="0">
-                          <a:solidFill>
-                            <a:schemeClr val="dk1"/>
-                          </a:solidFill>
-                          <a:effectLst/>
-                          <a:latin typeface="+mn-lt"/>
-                          <a:ea typeface="+mn-ea"/>
-                          <a:cs typeface="+mn-cs"/>
-                        </a:rPr>
-                        <a:t>Goh Koon Hui Geoffrey</a:t>
-                      </a:r>
-                      <a:endParaRPr lang="en-US" sz="1600" dirty="0"/>
-                    </a:p>
-                  </a:txBody>
-                  <a:tcPr/>
-                </a:tc>
-                <a:tc>
-                  <a:txBody>
-                    <a:bodyPr/>
-                    <a:lstStyle/>
-                    <a:p>
-                      <a:pPr algn="ctr"/>
-                      <a:endParaRPr lang="en-US" sz="1400" dirty="0"/>
-                    </a:p>
-                  </a:txBody>
-                  <a:tcPr/>
-                </a:tc>
-                <a:tc>
-                  <a:txBody>
-                    <a:bodyPr/>
-                    <a:lstStyle/>
-                    <a:p>
-                      <a:pPr algn="ctr"/>
-                      <a:endParaRPr lang="en-US" sz="1400"/>
-                    </a:p>
-                  </a:txBody>
-                  <a:tcPr/>
-                </a:tc>
-                <a:tc>
-                  <a:txBody>
-                    <a:bodyPr/>
-                    <a:lstStyle/>
-                    <a:p>
-                      <a:pPr algn="ctr"/>
-                      <a:endParaRPr lang="en-US" sz="1400"/>
-                    </a:p>
-                  </a:txBody>
-                  <a:tcPr/>
-                </a:tc>
-                <a:tc>
-                  <a:txBody>
-                    <a:bodyPr/>
-                    <a:lstStyle/>
-                    <a:p>
-                      <a:pPr algn="ctr"/>
-                      <a:endParaRPr lang="en-US" sz="1400" dirty="0"/>
-                    </a:p>
-                  </a:txBody>
-                  <a:tcPr/>
-                </a:tc>
-                <a:tc>
-                  <a:txBody>
-                    <a:bodyPr/>
-                    <a:lstStyle/>
-                    <a:p>
-                      <a:pPr algn="ctr"/>
-                      <a:endParaRPr lang="en-US" sz="1400" dirty="0"/>
-                    </a:p>
-                  </a:txBody>
-                  <a:tcPr/>
-                </a:tc>
-              </a:tr>
-              <a:tr h="328037">
-                <a:tc>
-                  <a:txBody>
-                    <a:bodyPr/>
-                    <a:lstStyle/>
-                    <a:p>
-                      <a:r>
-                        <a:rPr lang="en-US" sz="1600" kern="1200" dirty="0" smtClean="0">
-                          <a:solidFill>
-                            <a:schemeClr val="dk1"/>
-                          </a:solidFill>
-                          <a:effectLst/>
-                          <a:latin typeface="+mn-lt"/>
-                          <a:ea typeface="+mn-ea"/>
-                          <a:cs typeface="+mn-cs"/>
-                        </a:rPr>
-                        <a:t>Lam </a:t>
-                      </a:r>
-                      <a:r>
-                        <a:rPr lang="en-US" sz="1600" kern="1200" dirty="0" err="1" smtClean="0">
-                          <a:solidFill>
-                            <a:schemeClr val="dk1"/>
-                          </a:solidFill>
-                          <a:effectLst/>
-                          <a:latin typeface="+mn-lt"/>
-                          <a:ea typeface="+mn-ea"/>
-                          <a:cs typeface="+mn-cs"/>
-                        </a:rPr>
-                        <a:t>Kee</a:t>
-                      </a:r>
-                      <a:r>
-                        <a:rPr lang="en-US" sz="1600" kern="1200" dirty="0" smtClean="0">
-                          <a:solidFill>
-                            <a:schemeClr val="dk1"/>
-                          </a:solidFill>
-                          <a:effectLst/>
-                          <a:latin typeface="+mn-lt"/>
-                          <a:ea typeface="+mn-ea"/>
-                          <a:cs typeface="+mn-cs"/>
-                        </a:rPr>
-                        <a:t> Wei</a:t>
-                      </a:r>
-                      <a:endParaRPr lang="en-US" sz="1600" dirty="0"/>
-                    </a:p>
-                  </a:txBody>
-                  <a:tcPr/>
-                </a:tc>
-                <a:tc>
-                  <a:txBody>
-                    <a:bodyPr/>
-                    <a:lstStyle/>
-                    <a:p>
-                      <a:pPr algn="ctr"/>
-                      <a:endParaRPr lang="en-US" sz="1400" dirty="0"/>
-                    </a:p>
-                  </a:txBody>
-                  <a:tcPr/>
-                </a:tc>
-                <a:tc>
-                  <a:txBody>
-                    <a:bodyPr/>
-                    <a:lstStyle/>
-                    <a:p>
-                      <a:pPr algn="ctr"/>
-                      <a:endParaRPr lang="en-US" sz="1400"/>
-                    </a:p>
-                  </a:txBody>
-                  <a:tcPr/>
-                </a:tc>
-                <a:tc>
-                  <a:txBody>
-                    <a:bodyPr/>
-                    <a:lstStyle/>
-                    <a:p>
-                      <a:pPr algn="ctr"/>
-                      <a:endParaRPr lang="en-US" sz="1400"/>
-                    </a:p>
-                  </a:txBody>
-                  <a:tcPr/>
-                </a:tc>
-                <a:tc>
-                  <a:txBody>
-                    <a:bodyPr/>
-                    <a:lstStyle/>
-                    <a:p>
-                      <a:pPr algn="ctr"/>
-                      <a:endParaRPr lang="en-US" sz="1400" dirty="0"/>
-                    </a:p>
-                  </a:txBody>
-                  <a:tcPr/>
-                </a:tc>
-                <a:tc>
-                  <a:txBody>
-                    <a:bodyPr/>
-                    <a:lstStyle/>
-                    <a:p>
-                      <a:pPr algn="ctr"/>
-                      <a:endParaRPr lang="en-US" sz="1400" dirty="0"/>
-                    </a:p>
-                  </a:txBody>
-                  <a:tcPr/>
-                </a:tc>
-              </a:tr>
-              <a:tr h="328037">
-                <a:tc>
-                  <a:txBody>
-                    <a:bodyPr/>
-                    <a:lstStyle/>
-                    <a:p>
-                      <a:r>
-                        <a:rPr lang="en-US" sz="1600" kern="1200" dirty="0" err="1" smtClean="0">
-                          <a:solidFill>
-                            <a:schemeClr val="dk1"/>
-                          </a:solidFill>
-                          <a:effectLst/>
-                          <a:latin typeface="+mn-lt"/>
-                          <a:ea typeface="+mn-ea"/>
-                          <a:cs typeface="+mn-cs"/>
-                        </a:rPr>
-                        <a:t>Ler</a:t>
-                      </a:r>
-                      <a:r>
-                        <a:rPr lang="en-US" sz="1600" kern="1200" dirty="0" smtClean="0">
-                          <a:solidFill>
-                            <a:schemeClr val="dk1"/>
-                          </a:solidFill>
-                          <a:effectLst/>
-                          <a:latin typeface="+mn-lt"/>
-                          <a:ea typeface="+mn-ea"/>
-                          <a:cs typeface="+mn-cs"/>
-                        </a:rPr>
-                        <a:t> </a:t>
-                      </a:r>
-                      <a:r>
-                        <a:rPr lang="en-US" sz="1600" kern="1200" dirty="0" err="1" smtClean="0">
-                          <a:solidFill>
-                            <a:schemeClr val="dk1"/>
-                          </a:solidFill>
-                          <a:effectLst/>
-                          <a:latin typeface="+mn-lt"/>
-                          <a:ea typeface="+mn-ea"/>
-                          <a:cs typeface="+mn-cs"/>
-                        </a:rPr>
-                        <a:t>Ze</a:t>
-                      </a:r>
-                      <a:r>
-                        <a:rPr lang="en-US" sz="1600" kern="1200" dirty="0" smtClean="0">
-                          <a:solidFill>
-                            <a:schemeClr val="dk1"/>
-                          </a:solidFill>
-                          <a:effectLst/>
-                          <a:latin typeface="+mn-lt"/>
-                          <a:ea typeface="+mn-ea"/>
-                          <a:cs typeface="+mn-cs"/>
-                        </a:rPr>
-                        <a:t> Chen</a:t>
-                      </a:r>
-                      <a:endParaRPr lang="en-US" sz="1600" dirty="0"/>
-                    </a:p>
-                  </a:txBody>
-                  <a:tcPr/>
-                </a:tc>
-                <a:tc>
-                  <a:txBody>
-                    <a:bodyPr/>
-                    <a:lstStyle/>
-                    <a:p>
-                      <a:pPr algn="ctr"/>
-                      <a:endParaRPr lang="en-US" sz="1400" dirty="0"/>
-                    </a:p>
-                  </a:txBody>
-                  <a:tcPr/>
-                </a:tc>
-                <a:tc>
-                  <a:txBody>
-                    <a:bodyPr/>
-                    <a:lstStyle/>
-                    <a:p>
-                      <a:pPr algn="ctr"/>
-                      <a:endParaRPr lang="en-US" sz="1400"/>
-                    </a:p>
-                  </a:txBody>
-                  <a:tcPr/>
-                </a:tc>
-                <a:tc>
-                  <a:txBody>
-                    <a:bodyPr/>
-                    <a:lstStyle/>
-                    <a:p>
-                      <a:pPr algn="ctr"/>
-                      <a:endParaRPr lang="en-US" sz="1400"/>
-                    </a:p>
-                  </a:txBody>
-                  <a:tcPr/>
-                </a:tc>
-                <a:tc>
-                  <a:txBody>
-                    <a:bodyPr/>
-                    <a:lstStyle/>
-                    <a:p>
-                      <a:pPr algn="ctr"/>
-                      <a:endParaRPr lang="en-US" sz="1400" dirty="0"/>
-                    </a:p>
-                  </a:txBody>
-                  <a:tcPr/>
-                </a:tc>
-                <a:tc>
-                  <a:txBody>
-                    <a:bodyPr/>
-                    <a:lstStyle/>
-                    <a:p>
-                      <a:pPr algn="ctr"/>
-                      <a:endParaRPr lang="en-US" sz="1400"/>
-                    </a:p>
-                  </a:txBody>
-                  <a:tcPr/>
-                </a:tc>
-              </a:tr>
-              <a:tr h="328037">
-                <a:tc>
-                  <a:txBody>
-                    <a:bodyPr/>
-                    <a:lstStyle/>
-                    <a:p>
-                      <a:r>
-                        <a:rPr lang="en-US" sz="1600" kern="1200" dirty="0" smtClean="0">
-                          <a:solidFill>
-                            <a:schemeClr val="dk1"/>
-                          </a:solidFill>
-                          <a:effectLst/>
-                          <a:latin typeface="+mn-lt"/>
-                          <a:ea typeface="+mn-ea"/>
-                          <a:cs typeface="+mn-cs"/>
-                        </a:rPr>
-                        <a:t>Tee An Ting</a:t>
-                      </a:r>
-                      <a:endParaRPr lang="en-US" sz="1600" dirty="0"/>
-                    </a:p>
-                  </a:txBody>
-                  <a:tcPr/>
-                </a:tc>
-                <a:tc>
-                  <a:txBody>
-                    <a:bodyPr/>
-                    <a:lstStyle/>
-                    <a:p>
-                      <a:pPr algn="ctr"/>
-                      <a:endParaRPr lang="en-US" sz="1400"/>
-                    </a:p>
-                  </a:txBody>
-                  <a:tcPr/>
-                </a:tc>
-                <a:tc>
-                  <a:txBody>
-                    <a:bodyPr/>
-                    <a:lstStyle/>
-                    <a:p>
-                      <a:pPr algn="ctr"/>
-                      <a:endParaRPr lang="en-US" sz="1400"/>
-                    </a:p>
-                  </a:txBody>
-                  <a:tcPr/>
-                </a:tc>
-                <a:tc>
-                  <a:txBody>
-                    <a:bodyPr/>
-                    <a:lstStyle/>
-                    <a:p>
-                      <a:pPr algn="ctr"/>
-                      <a:endParaRPr lang="en-US" sz="1400"/>
-                    </a:p>
-                  </a:txBody>
-                  <a:tcPr/>
-                </a:tc>
-                <a:tc>
-                  <a:txBody>
-                    <a:bodyPr/>
-                    <a:lstStyle/>
-                    <a:p>
-                      <a:pPr algn="ctr"/>
-                      <a:endParaRPr lang="en-US" sz="1400"/>
-                    </a:p>
-                  </a:txBody>
-                  <a:tcPr/>
-                </a:tc>
-                <a:tc>
-                  <a:txBody>
-                    <a:bodyPr/>
-                    <a:lstStyle/>
-                    <a:p>
-                      <a:pPr algn="ctr"/>
-                      <a:endParaRPr lang="en-US" sz="1400" dirty="0"/>
-                    </a:p>
-                  </a:txBody>
-                  <a:tcPr/>
-                </a:tc>
-              </a:tr>
-              <a:tr h="328037">
-                <a:tc>
-                  <a:txBody>
-                    <a:bodyPr/>
-                    <a:lstStyle/>
-                    <a:p>
-                      <a:r>
-                        <a:rPr lang="en-US" sz="1600" kern="1200" dirty="0" err="1" smtClean="0">
-                          <a:solidFill>
-                            <a:schemeClr val="dk1"/>
-                          </a:solidFill>
-                          <a:effectLst/>
-                          <a:latin typeface="+mn-lt"/>
-                          <a:ea typeface="+mn-ea"/>
-                          <a:cs typeface="+mn-cs"/>
-                        </a:rPr>
-                        <a:t>Akshat</a:t>
-                      </a:r>
-                      <a:r>
-                        <a:rPr lang="en-US" sz="1600" kern="1200" dirty="0" smtClean="0">
-                          <a:solidFill>
-                            <a:schemeClr val="dk1"/>
-                          </a:solidFill>
-                          <a:effectLst/>
-                          <a:latin typeface="+mn-lt"/>
-                          <a:ea typeface="+mn-ea"/>
-                          <a:cs typeface="+mn-cs"/>
-                        </a:rPr>
-                        <a:t> </a:t>
-                      </a:r>
-                      <a:r>
-                        <a:rPr lang="en-US" sz="1600" kern="1200" dirty="0" err="1" smtClean="0">
-                          <a:solidFill>
-                            <a:schemeClr val="dk1"/>
-                          </a:solidFill>
-                          <a:effectLst/>
-                          <a:latin typeface="+mn-lt"/>
-                          <a:ea typeface="+mn-ea"/>
-                          <a:cs typeface="+mn-cs"/>
-                        </a:rPr>
-                        <a:t>Agarwal</a:t>
-                      </a:r>
-                      <a:endParaRPr lang="en-US" sz="1600" dirty="0"/>
-                    </a:p>
-                  </a:txBody>
-                  <a:tcPr/>
-                </a:tc>
-                <a:tc>
-                  <a:txBody>
-                    <a:bodyPr/>
-                    <a:lstStyle/>
-                    <a:p>
-                      <a:pPr algn="ctr"/>
-                      <a:endParaRPr lang="en-US" sz="1400"/>
-                    </a:p>
-                  </a:txBody>
-                  <a:tcPr/>
-                </a:tc>
-                <a:tc>
-                  <a:txBody>
-                    <a:bodyPr/>
-                    <a:lstStyle/>
-                    <a:p>
-                      <a:pPr algn="ctr"/>
-                      <a:endParaRPr lang="en-US" sz="1400" dirty="0"/>
-                    </a:p>
-                  </a:txBody>
-                  <a:tcPr/>
-                </a:tc>
-                <a:tc>
-                  <a:txBody>
-                    <a:bodyPr/>
-                    <a:lstStyle/>
-                    <a:p>
-                      <a:pPr algn="ctr"/>
-                      <a:endParaRPr lang="en-US" sz="1400"/>
-                    </a:p>
-                  </a:txBody>
-                  <a:tcPr/>
-                </a:tc>
-                <a:tc>
-                  <a:txBody>
-                    <a:bodyPr/>
-                    <a:lstStyle/>
-                    <a:p>
-                      <a:pPr algn="ctr"/>
-                      <a:endParaRPr lang="en-US" sz="1400"/>
-                    </a:p>
-                  </a:txBody>
-                  <a:tcPr/>
-                </a:tc>
-                <a:tc>
-                  <a:txBody>
-                    <a:bodyPr/>
-                    <a:lstStyle/>
-                    <a:p>
-                      <a:pPr algn="ctr"/>
-                      <a:endParaRPr lang="en-SG" sz="1400" dirty="0" smtClean="0"/>
+                      <a:r>
+                        <a:rPr lang="en-SG" sz="1400" b="1" dirty="0" smtClean="0"/>
+                        <a:t>12</a:t>
+                      </a:r>
+                      <a:endParaRPr lang="en-US" sz="1400" b="1" dirty="0"/>
+                    </a:p>
+                  </a:txBody>
+                  <a:tcPr/>
+                </a:tc>
+                <a:tc>
+                  <a:txBody>
+                    <a:bodyPr/>
+                    <a:lstStyle/>
+                    <a:p>
+                      <a:pPr algn="ctr"/>
+                      <a:r>
+                        <a:rPr lang="en-SG" sz="1400" b="1" dirty="0" smtClean="0"/>
+                        <a:t>11</a:t>
+                      </a:r>
+                      <a:endParaRPr lang="en-US" sz="1400" b="1" dirty="0"/>
+                    </a:p>
+                  </a:txBody>
+                  <a:tcPr/>
+                </a:tc>
+                <a:tc>
+                  <a:txBody>
+                    <a:bodyPr/>
+                    <a:lstStyle/>
+                    <a:p>
+                      <a:pPr algn="ctr"/>
+                      <a:r>
+                        <a:rPr lang="en-SG" sz="1400" b="1" dirty="0" smtClean="0"/>
+                        <a:t>10</a:t>
+                      </a:r>
+                      <a:endParaRPr lang="en-US" sz="1400" b="1" dirty="0"/>
+                    </a:p>
+                  </a:txBody>
+                  <a:tcPr/>
+                </a:tc>
+                <a:tc>
+                  <a:txBody>
+                    <a:bodyPr/>
+                    <a:lstStyle/>
+                    <a:p>
+                      <a:pPr algn="ctr"/>
+                      <a:r>
+                        <a:rPr lang="en-SG" sz="1400" b="1" dirty="0" smtClean="0"/>
+                        <a:t>-</a:t>
+                      </a:r>
+                      <a:endParaRPr lang="en-US" sz="1400" b="1" dirty="0"/>
+                    </a:p>
+                  </a:txBody>
+                  <a:tcPr/>
+                </a:tc>
+                <a:tc>
+                  <a:txBody>
+                    <a:bodyPr/>
+                    <a:lstStyle/>
+                    <a:p>
+                      <a:pPr algn="ctr"/>
+                      <a:r>
+                        <a:rPr lang="en-SG" sz="1400" b="1" smtClean="0"/>
+                        <a:t>-</a:t>
+                      </a:r>
+                      <a:endParaRPr lang="en-US" sz="1400" b="1" dirty="0"/>
                     </a:p>
                   </a:txBody>
                   <a:tcPr/>
@@ -5008,51 +4757,71 @@
                     <a:lstStyle/>
                     <a:p>
                       <a:pPr algn="ctr"/>
-                      <a:endParaRPr lang="en-US" sz="1400"/>
-                    </a:p>
-                  </a:txBody>
-                  <a:tcPr/>
-                </a:tc>
-                <a:tc>
-                  <a:txBody>
-                    <a:bodyPr/>
-                    <a:lstStyle/>
-                    <a:p>
-                      <a:pPr algn="ctr"/>
-                      <a:endParaRPr lang="en-US" sz="1400" dirty="0"/>
-                    </a:p>
-                  </a:txBody>
-                  <a:tcPr/>
-                </a:tc>
-                <a:tc>
-                  <a:txBody>
-                    <a:bodyPr/>
-                    <a:lstStyle/>
-                    <a:p>
-                      <a:pPr algn="ctr"/>
-                      <a:endParaRPr lang="en-US" sz="1400" dirty="0"/>
-                    </a:p>
-                  </a:txBody>
-                  <a:tcPr/>
-                </a:tc>
-                <a:tc>
-                  <a:txBody>
-                    <a:bodyPr/>
-                    <a:lstStyle/>
-                    <a:p>
-                      <a:pPr algn="ctr"/>
-                      <a:endParaRPr lang="en-US" sz="1400"/>
-                    </a:p>
-                  </a:txBody>
-                  <a:tcPr/>
-                </a:tc>
-                <a:tc>
-                  <a:txBody>
-                    <a:bodyPr/>
-                    <a:lstStyle/>
-                    <a:p>
-                      <a:pPr algn="ctr"/>
-                      <a:endParaRPr lang="en-SG" sz="1400" dirty="0" smtClean="0"/>
+                      <a:r>
+                        <a:rPr lang="en-SG" sz="1400" b="1" dirty="0" smtClean="0"/>
+                        <a:t>10</a:t>
+                      </a:r>
+                      <a:endParaRPr lang="en-US" sz="1400" b="1" dirty="0"/>
+                    </a:p>
+                  </a:txBody>
+                  <a:tcPr/>
+                </a:tc>
+                <a:tc>
+                  <a:txBody>
+                    <a:bodyPr/>
+                    <a:lstStyle/>
+                    <a:p>
+                      <a:pPr algn="ctr"/>
+                      <a:r>
+                        <a:rPr lang="en-SG" sz="1400" b="1" dirty="0" smtClean="0"/>
+                        <a:t>9</a:t>
+                      </a:r>
+                      <a:endParaRPr lang="en-US" sz="1400" b="1" dirty="0"/>
+                    </a:p>
+                  </a:txBody>
+                  <a:tcPr/>
+                </a:tc>
+                <a:tc>
+                  <a:txBody>
+                    <a:bodyPr/>
+                    <a:lstStyle/>
+                    <a:p>
+                      <a:pPr algn="ctr"/>
+                      <a:r>
+                        <a:rPr lang="en-SG" sz="1400" b="1" dirty="0" smtClean="0"/>
+                        <a:t>6</a:t>
+                      </a:r>
+                      <a:endParaRPr lang="en-US" sz="1400" b="1" dirty="0"/>
+                    </a:p>
+                  </a:txBody>
+                  <a:tcPr/>
+                </a:tc>
+                <a:tc>
+                  <a:txBody>
+                    <a:bodyPr/>
+                    <a:lstStyle/>
+                    <a:p>
+                      <a:pPr algn="ctr"/>
+                      <a:r>
+                        <a:rPr lang="en-SG" sz="1400" b="1" smtClean="0"/>
+                        <a:t>-</a:t>
+                      </a:r>
+                      <a:endParaRPr lang="en-US" sz="1400" b="1" dirty="0"/>
+                    </a:p>
+                  </a:txBody>
+                  <a:tcPr/>
+                </a:tc>
+                <a:tc>
+                  <a:txBody>
+                    <a:bodyPr/>
+                    <a:lstStyle/>
+                    <a:p>
+                      <a:pPr algn="ctr"/>
+                      <a:r>
+                        <a:rPr lang="en-SG" sz="1400" b="1" dirty="0" smtClean="0"/>
+                        <a:t>-</a:t>
+                      </a:r>
+                      <a:endParaRPr lang="en-US" sz="1400" b="1" dirty="0"/>
                     </a:p>
                   </a:txBody>
                   <a:tcPr/>
@@ -5083,51 +4852,71 @@
                     <a:lstStyle/>
                     <a:p>
                       <a:pPr algn="ctr"/>
-                      <a:endParaRPr lang="en-US" sz="1400"/>
-                    </a:p>
-                  </a:txBody>
-                  <a:tcPr/>
-                </a:tc>
-                <a:tc>
-                  <a:txBody>
-                    <a:bodyPr/>
-                    <a:lstStyle/>
-                    <a:p>
-                      <a:pPr algn="ctr"/>
-                      <a:endParaRPr lang="en-US" sz="1400" dirty="0"/>
-                    </a:p>
-                  </a:txBody>
-                  <a:tcPr/>
-                </a:tc>
-                <a:tc>
-                  <a:txBody>
-                    <a:bodyPr/>
-                    <a:lstStyle/>
-                    <a:p>
-                      <a:pPr algn="ctr"/>
-                      <a:endParaRPr lang="en-US" sz="1400"/>
-                    </a:p>
-                  </a:txBody>
-                  <a:tcPr/>
-                </a:tc>
-                <a:tc>
-                  <a:txBody>
-                    <a:bodyPr/>
-                    <a:lstStyle/>
-                    <a:p>
-                      <a:pPr algn="ctr"/>
-                      <a:endParaRPr lang="en-US" sz="1400"/>
-                    </a:p>
-                  </a:txBody>
-                  <a:tcPr/>
-                </a:tc>
-                <a:tc>
-                  <a:txBody>
-                    <a:bodyPr/>
-                    <a:lstStyle/>
-                    <a:p>
-                      <a:pPr algn="ctr"/>
-                      <a:endParaRPr lang="en-SG" sz="1400" dirty="0" smtClean="0"/>
+                      <a:r>
+                        <a:rPr lang="en-SG" sz="1400" b="1" dirty="0" smtClean="0"/>
+                        <a:t>8</a:t>
+                      </a:r>
+                      <a:endParaRPr lang="en-US" sz="1400" b="1" dirty="0"/>
+                    </a:p>
+                  </a:txBody>
+                  <a:tcPr/>
+                </a:tc>
+                <a:tc>
+                  <a:txBody>
+                    <a:bodyPr/>
+                    <a:lstStyle/>
+                    <a:p>
+                      <a:pPr algn="ctr"/>
+                      <a:r>
+                        <a:rPr lang="en-SG" sz="1400" b="1" dirty="0" smtClean="0"/>
+                        <a:t>5</a:t>
+                      </a:r>
+                      <a:endParaRPr lang="en-US" sz="1400" b="1" dirty="0"/>
+                    </a:p>
+                  </a:txBody>
+                  <a:tcPr/>
+                </a:tc>
+                <a:tc>
+                  <a:txBody>
+                    <a:bodyPr/>
+                    <a:lstStyle/>
+                    <a:p>
+                      <a:pPr algn="ctr"/>
+                      <a:r>
+                        <a:rPr lang="en-SG" sz="1400" b="1" dirty="0" smtClean="0"/>
+                        <a:t>4</a:t>
+                      </a:r>
+                      <a:endParaRPr lang="en-US" sz="1400" b="1" dirty="0"/>
+                    </a:p>
+                  </a:txBody>
+                  <a:tcPr/>
+                </a:tc>
+                <a:tc>
+                  <a:txBody>
+                    <a:bodyPr/>
+                    <a:lstStyle/>
+                    <a:p>
+                      <a:pPr algn="ctr"/>
+                      <a:r>
+                        <a:rPr lang="en-SG" sz="1400" b="1" smtClean="0"/>
+                        <a:t>-</a:t>
+                      </a:r>
+                      <a:endParaRPr lang="en-US" sz="1400" b="1" dirty="0"/>
+                    </a:p>
+                  </a:txBody>
+                  <a:tcPr/>
+                </a:tc>
+                <a:tc>
+                  <a:txBody>
+                    <a:bodyPr/>
+                    <a:lstStyle/>
+                    <a:p>
+                      <a:pPr algn="ctr"/>
+                      <a:r>
+                        <a:rPr lang="en-SG" sz="1400" b="1" smtClean="0"/>
+                        <a:t>-</a:t>
+                      </a:r>
+                      <a:endParaRPr lang="en-US" sz="1400" b="1" dirty="0"/>
                     </a:p>
                   </a:txBody>
                   <a:tcPr/>
@@ -5158,51 +4947,253 @@
                     <a:lstStyle/>
                     <a:p>
                       <a:pPr algn="ctr"/>
-                      <a:endParaRPr lang="en-US" sz="1400"/>
-                    </a:p>
-                  </a:txBody>
-                  <a:tcPr/>
-                </a:tc>
-                <a:tc>
-                  <a:txBody>
-                    <a:bodyPr/>
-                    <a:lstStyle/>
-                    <a:p>
-                      <a:pPr algn="ctr"/>
-                      <a:endParaRPr lang="en-US" sz="1400" dirty="0"/>
-                    </a:p>
-                  </a:txBody>
-                  <a:tcPr/>
-                </a:tc>
-                <a:tc>
-                  <a:txBody>
-                    <a:bodyPr/>
-                    <a:lstStyle/>
-                    <a:p>
-                      <a:pPr algn="ctr"/>
-                      <a:endParaRPr lang="en-US" sz="1400"/>
-                    </a:p>
-                  </a:txBody>
-                  <a:tcPr/>
-                </a:tc>
-                <a:tc>
-                  <a:txBody>
-                    <a:bodyPr/>
-                    <a:lstStyle/>
-                    <a:p>
-                      <a:pPr algn="ctr"/>
-                      <a:endParaRPr lang="en-US" sz="1400"/>
-                    </a:p>
-                  </a:txBody>
-                  <a:tcPr/>
-                </a:tc>
-                <a:tc>
-                  <a:txBody>
-                    <a:bodyPr/>
-                    <a:lstStyle/>
-                    <a:p>
-                      <a:pPr algn="ctr"/>
-                      <a:endParaRPr lang="en-SG" sz="1400" dirty="0" smtClean="0"/>
+                      <a:r>
+                        <a:rPr lang="en-SG" sz="1400" b="1" dirty="0" smtClean="0"/>
+                        <a:t>9</a:t>
+                      </a:r>
+                      <a:endParaRPr lang="en-US" sz="1400" b="1" dirty="0"/>
+                    </a:p>
+                  </a:txBody>
+                  <a:tcPr/>
+                </a:tc>
+                <a:tc>
+                  <a:txBody>
+                    <a:bodyPr/>
+                    <a:lstStyle/>
+                    <a:p>
+                      <a:pPr algn="ctr"/>
+                      <a:r>
+                        <a:rPr lang="en-SG" sz="1400" b="1" smtClean="0"/>
+                        <a:t>-</a:t>
+                      </a:r>
+                      <a:endParaRPr lang="en-US" sz="1400" b="1" dirty="0"/>
+                    </a:p>
+                  </a:txBody>
+                  <a:tcPr/>
+                </a:tc>
+                <a:tc>
+                  <a:txBody>
+                    <a:bodyPr/>
+                    <a:lstStyle/>
+                    <a:p>
+                      <a:pPr algn="ctr"/>
+                      <a:r>
+                        <a:rPr lang="en-SG" sz="1400" b="1" dirty="0" smtClean="0"/>
+                        <a:t>-</a:t>
+                      </a:r>
+                      <a:endParaRPr lang="en-US" sz="1400" b="1" dirty="0"/>
+                    </a:p>
+                  </a:txBody>
+                  <a:tcPr/>
+                </a:tc>
+                <a:tc>
+                  <a:txBody>
+                    <a:bodyPr/>
+                    <a:lstStyle/>
+                    <a:p>
+                      <a:pPr algn="ctr"/>
+                      <a:r>
+                        <a:rPr lang="en-SG" sz="1400" b="1" smtClean="0"/>
+                        <a:t>-</a:t>
+                      </a:r>
+                      <a:endParaRPr lang="en-US" sz="1400" b="1" dirty="0"/>
+                    </a:p>
+                  </a:txBody>
+                  <a:tcPr/>
+                </a:tc>
+                <a:tc>
+                  <a:txBody>
+                    <a:bodyPr/>
+                    <a:lstStyle/>
+                    <a:p>
+                      <a:pPr algn="ctr"/>
+                      <a:r>
+                        <a:rPr lang="en-SG" sz="1400" b="1" smtClean="0"/>
+                        <a:t>-</a:t>
+                      </a:r>
+                      <a:endParaRPr lang="en-US" sz="1400" b="1" dirty="0"/>
+                    </a:p>
+                  </a:txBody>
+                  <a:tcPr/>
+                </a:tc>
+              </a:tr>
+              <a:tr h="328037">
+                <a:tc>
+                  <a:txBody>
+                    <a:bodyPr/>
+                    <a:lstStyle/>
+                    <a:p>
+                      <a:r>
+                        <a:rPr lang="en-SG" sz="1600" dirty="0" smtClean="0"/>
+                        <a:t>Chiang Fong</a:t>
+                      </a:r>
+                      <a:endParaRPr lang="en-US" sz="1600" dirty="0"/>
+                    </a:p>
+                  </a:txBody>
+                  <a:tcPr/>
+                </a:tc>
+                <a:tc>
+                  <a:txBody>
+                    <a:bodyPr/>
+                    <a:lstStyle/>
+                    <a:p>
+                      <a:pPr algn="ctr"/>
+                      <a:r>
+                        <a:rPr lang="en-SG" sz="1400" b="1" dirty="0" smtClean="0"/>
+                        <a:t>7</a:t>
+                      </a:r>
+                      <a:endParaRPr lang="en-US" sz="1400" b="1" dirty="0"/>
+                    </a:p>
+                  </a:txBody>
+                  <a:tcPr/>
+                </a:tc>
+                <a:tc>
+                  <a:txBody>
+                    <a:bodyPr/>
+                    <a:lstStyle/>
+                    <a:p>
+                      <a:pPr algn="ctr"/>
+                      <a:r>
+                        <a:rPr lang="en-SG" sz="1400" b="1" dirty="0" smtClean="0"/>
+                        <a:t>4</a:t>
+                      </a:r>
+                      <a:endParaRPr lang="en-US" sz="1400" b="1" dirty="0"/>
+                    </a:p>
+                  </a:txBody>
+                  <a:tcPr/>
+                </a:tc>
+                <a:tc>
+                  <a:txBody>
+                    <a:bodyPr/>
+                    <a:lstStyle/>
+                    <a:p>
+                      <a:pPr algn="ctr"/>
+                      <a:r>
+                        <a:rPr lang="en-SG" sz="1400" b="1" dirty="0" smtClean="0"/>
+                        <a:t>3</a:t>
+                      </a:r>
+                      <a:endParaRPr lang="en-US" sz="1400" b="1" dirty="0"/>
+                    </a:p>
+                  </a:txBody>
+                  <a:tcPr/>
+                </a:tc>
+                <a:tc>
+                  <a:txBody>
+                    <a:bodyPr/>
+                    <a:lstStyle/>
+                    <a:p>
+                      <a:pPr algn="ctr"/>
+                      <a:r>
+                        <a:rPr lang="en-SG" sz="1400" b="1" smtClean="0"/>
+                        <a:t>-</a:t>
+                      </a:r>
+                      <a:endParaRPr lang="en-US" sz="1400" b="1" dirty="0"/>
+                    </a:p>
+                  </a:txBody>
+                  <a:tcPr/>
+                </a:tc>
+                <a:tc>
+                  <a:txBody>
+                    <a:bodyPr/>
+                    <a:lstStyle/>
+                    <a:p>
+                      <a:pPr algn="ctr"/>
+                      <a:r>
+                        <a:rPr lang="en-SG" sz="1400" b="1" smtClean="0"/>
+                        <a:t>-</a:t>
+                      </a:r>
+                      <a:endParaRPr lang="en-US" sz="1400" b="1" dirty="0"/>
+                    </a:p>
+                  </a:txBody>
+                  <a:tcPr/>
+                </a:tc>
+              </a:tr>
+              <a:tr h="328037">
+                <a:tc>
+                  <a:txBody>
+                    <a:bodyPr/>
+                    <a:lstStyle/>
+                    <a:p>
+                      <a:r>
+                        <a:rPr lang="en-SG" sz="1600" dirty="0" err="1" smtClean="0"/>
+                        <a:t>Anyu</a:t>
+                      </a:r>
+                      <a:endParaRPr lang="en-US" sz="1600" dirty="0"/>
+                    </a:p>
+                  </a:txBody>
+                  <a:tcPr/>
+                </a:tc>
+                <a:tc>
+                  <a:txBody>
+                    <a:bodyPr/>
+                    <a:lstStyle/>
+                    <a:p>
+                      <a:pPr algn="ctr"/>
+                      <a:r>
+                        <a:rPr lang="en-SG" sz="1400" b="1" dirty="0" smtClean="0"/>
+                        <a:t>15</a:t>
+                      </a:r>
+                      <a:endParaRPr lang="en-US" sz="1400" b="1" dirty="0"/>
+                    </a:p>
+                  </a:txBody>
+                  <a:tcPr/>
+                </a:tc>
+                <a:tc>
+                  <a:txBody>
+                    <a:bodyPr/>
+                    <a:lstStyle/>
+                    <a:p>
+                      <a:pPr algn="ctr"/>
+                      <a:r>
+                        <a:rPr lang="en-SG" sz="1400" b="1" dirty="0" smtClean="0"/>
+                        <a:t>12</a:t>
+                      </a:r>
+                      <a:endParaRPr lang="en-US" sz="1400" b="1" dirty="0"/>
+                    </a:p>
+                  </a:txBody>
+                  <a:tcPr/>
+                </a:tc>
+                <a:tc>
+                  <a:txBody>
+                    <a:bodyPr/>
+                    <a:lstStyle/>
+                    <a:p>
+                      <a:pPr algn="ctr"/>
+                      <a:r>
+                        <a:rPr lang="en-SG" sz="1400" b="1" dirty="0" smtClean="0"/>
+                        <a:t>12</a:t>
+                      </a:r>
+                      <a:endParaRPr lang="en-US" sz="1400" b="1" dirty="0"/>
+                    </a:p>
+                  </a:txBody>
+                  <a:tcPr/>
+                </a:tc>
+                <a:tc>
+                  <a:txBody>
+                    <a:bodyPr/>
+                    <a:lstStyle/>
+                    <a:p>
+                      <a:pPr algn="ctr"/>
+                      <a:r>
+                        <a:rPr lang="en-SG" sz="1400" b="1" smtClean="0"/>
+                        <a:t>-</a:t>
+                      </a:r>
+                      <a:endParaRPr lang="en-US" sz="1400" b="1" dirty="0"/>
+                    </a:p>
+                  </a:txBody>
+                  <a:tcPr/>
+                </a:tc>
+                <a:tc>
+                  <a:txBody>
+                    <a:bodyPr/>
+                    <a:lstStyle/>
+                    <a:p>
+                      <a:pPr algn="ctr"/>
+                      <a:r>
+                        <a:rPr lang="en-SG" sz="1400" b="1" dirty="0" smtClean="0"/>
+                        <a:t>-</a:t>
+                      </a:r>
+                      <a:endParaRPr lang="en-US" sz="1400" b="1" dirty="0"/>
                     </a:p>
                   </a:txBody>
                   <a:tcPr/>
